--- a/.lessons/7 Containers/1.pptx
+++ b/.lessons/7 Containers/1.pptx
@@ -9,13 +9,13 @@
     <p:sldId id="272" r:id="rId3"/>
     <p:sldId id="273" r:id="rId4"/>
     <p:sldId id="274" r:id="rId5"/>
-    <p:sldId id="275" r:id="rId6"/>
-    <p:sldId id="276" r:id="rId7"/>
-    <p:sldId id="281" r:id="rId8"/>
-    <p:sldId id="282" r:id="rId9"/>
-    <p:sldId id="283" r:id="rId10"/>
-    <p:sldId id="284" r:id="rId11"/>
-    <p:sldId id="285" r:id="rId12"/>
+    <p:sldId id="285" r:id="rId6"/>
+    <p:sldId id="275" r:id="rId7"/>
+    <p:sldId id="276" r:id="rId8"/>
+    <p:sldId id="281" r:id="rId9"/>
+    <p:sldId id="282" r:id="rId10"/>
+    <p:sldId id="283" r:id="rId11"/>
+    <p:sldId id="284" r:id="rId12"/>
     <p:sldId id="277" r:id="rId13"/>
     <p:sldId id="278" r:id="rId14"/>
     <p:sldId id="279" r:id="rId15"/>
@@ -275,7 +275,7 @@
           <a:p>
             <a:fld id="{AD6CDC28-10E2-4CDE-A5FF-6E49B37A1343}" type="datetimeFigureOut">
               <a:rPr lang="en-US" smtClean="0"/>
-              <a:t>10/11/2025</a:t>
+              <a:t>10/15/2025</a:t>
             </a:fld>
             <a:endParaRPr lang="en-US"/>
           </a:p>
@@ -473,7 +473,7 @@
           <a:p>
             <a:fld id="{AD6CDC28-10E2-4CDE-A5FF-6E49B37A1343}" type="datetimeFigureOut">
               <a:rPr lang="en-US" smtClean="0"/>
-              <a:t>10/11/2025</a:t>
+              <a:t>10/15/2025</a:t>
             </a:fld>
             <a:endParaRPr lang="en-US"/>
           </a:p>
@@ -681,7 +681,7 @@
           <a:p>
             <a:fld id="{AD6CDC28-10E2-4CDE-A5FF-6E49B37A1343}" type="datetimeFigureOut">
               <a:rPr lang="en-US" smtClean="0"/>
-              <a:t>10/11/2025</a:t>
+              <a:t>10/15/2025</a:t>
             </a:fld>
             <a:endParaRPr lang="en-US"/>
           </a:p>
@@ -879,7 +879,7 @@
           <a:p>
             <a:fld id="{AD6CDC28-10E2-4CDE-A5FF-6E49B37A1343}" type="datetimeFigureOut">
               <a:rPr lang="en-US" smtClean="0"/>
-              <a:t>10/11/2025</a:t>
+              <a:t>10/15/2025</a:t>
             </a:fld>
             <a:endParaRPr lang="en-US"/>
           </a:p>
@@ -1154,7 +1154,7 @@
           <a:p>
             <a:fld id="{AD6CDC28-10E2-4CDE-A5FF-6E49B37A1343}" type="datetimeFigureOut">
               <a:rPr lang="en-US" smtClean="0"/>
-              <a:t>10/11/2025</a:t>
+              <a:t>10/15/2025</a:t>
             </a:fld>
             <a:endParaRPr lang="en-US"/>
           </a:p>
@@ -1419,7 +1419,7 @@
           <a:p>
             <a:fld id="{AD6CDC28-10E2-4CDE-A5FF-6E49B37A1343}" type="datetimeFigureOut">
               <a:rPr lang="en-US" smtClean="0"/>
-              <a:t>10/11/2025</a:t>
+              <a:t>10/15/2025</a:t>
             </a:fld>
             <a:endParaRPr lang="en-US"/>
           </a:p>
@@ -1831,7 +1831,7 @@
           <a:p>
             <a:fld id="{AD6CDC28-10E2-4CDE-A5FF-6E49B37A1343}" type="datetimeFigureOut">
               <a:rPr lang="en-US" smtClean="0"/>
-              <a:t>10/11/2025</a:t>
+              <a:t>10/15/2025</a:t>
             </a:fld>
             <a:endParaRPr lang="en-US"/>
           </a:p>
@@ -1972,7 +1972,7 @@
           <a:p>
             <a:fld id="{AD6CDC28-10E2-4CDE-A5FF-6E49B37A1343}" type="datetimeFigureOut">
               <a:rPr lang="en-US" smtClean="0"/>
-              <a:t>10/11/2025</a:t>
+              <a:t>10/15/2025</a:t>
             </a:fld>
             <a:endParaRPr lang="en-US"/>
           </a:p>
@@ -2085,7 +2085,7 @@
           <a:p>
             <a:fld id="{AD6CDC28-10E2-4CDE-A5FF-6E49B37A1343}" type="datetimeFigureOut">
               <a:rPr lang="en-US" smtClean="0"/>
-              <a:t>10/11/2025</a:t>
+              <a:t>10/15/2025</a:t>
             </a:fld>
             <a:endParaRPr lang="en-US"/>
           </a:p>
@@ -2396,7 +2396,7 @@
           <a:p>
             <a:fld id="{AD6CDC28-10E2-4CDE-A5FF-6E49B37A1343}" type="datetimeFigureOut">
               <a:rPr lang="en-US" smtClean="0"/>
-              <a:t>10/11/2025</a:t>
+              <a:t>10/15/2025</a:t>
             </a:fld>
             <a:endParaRPr lang="en-US"/>
           </a:p>
@@ -2684,7 +2684,7 @@
           <a:p>
             <a:fld id="{AD6CDC28-10E2-4CDE-A5FF-6E49B37A1343}" type="datetimeFigureOut">
               <a:rPr lang="en-US" smtClean="0"/>
-              <a:t>10/11/2025</a:t>
+              <a:t>10/15/2025</a:t>
             </a:fld>
             <a:endParaRPr lang="en-US"/>
           </a:p>
@@ -2925,7 +2925,7 @@
           <a:p>
             <a:fld id="{AD6CDC28-10E2-4CDE-A5FF-6E49B37A1343}" type="datetimeFigureOut">
               <a:rPr lang="en-US" smtClean="0"/>
-              <a:t>10/11/2025</a:t>
+              <a:t>10/15/2025</a:t>
             </a:fld>
             <a:endParaRPr lang="en-US"/>
           </a:p>
@@ -4809,6 +4809,302 @@
         <p:cNvPr id="1" name="">
           <a:extLst>
             <a:ext uri="{FF2B5EF4-FFF2-40B4-BE49-F238E27FC236}">
+              <a16:creationId xmlns:a16="http://schemas.microsoft.com/office/drawing/2014/main" id="{C1012123-4E20-CB38-ECB7-BD84BA9175BC}"/>
+            </a:ext>
+          </a:extLst>
+        </p:cNvPr>
+        <p:cNvGrpSpPr/>
+        <p:nvPr/>
+      </p:nvGrpSpPr>
+      <p:grpSpPr>
+        <a:xfrm>
+          <a:off x="0" y="0"/>
+          <a:ext cx="0" cy="0"/>
+          <a:chOff x="0" y="0"/>
+          <a:chExt cx="0" cy="0"/>
+        </a:xfrm>
+      </p:grpSpPr>
+      <p:sp>
+        <p:nvSpPr>
+          <p:cNvPr id="7" name="TextBox 6">
+            <a:extLst>
+              <a:ext uri="{FF2B5EF4-FFF2-40B4-BE49-F238E27FC236}">
+                <a16:creationId xmlns:a16="http://schemas.microsoft.com/office/drawing/2014/main" id="{BC41766A-D332-AD87-BF36-B8FA57FDB2D0}"/>
+              </a:ext>
+            </a:extLst>
+          </p:cNvPr>
+          <p:cNvSpPr txBox="1"/>
+          <p:nvPr/>
+        </p:nvSpPr>
+        <p:spPr>
+          <a:xfrm>
+            <a:off x="0" y="244826"/>
+            <a:ext cx="12192000" cy="4508927"/>
+          </a:xfrm>
+          <a:prstGeom prst="rect">
+            <a:avLst/>
+          </a:prstGeom>
+          <a:noFill/>
+        </p:spPr>
+        <p:txBody>
+          <a:bodyPr wrap="square">
+            <a:spAutoFit/>
+          </a:bodyPr>
+          <a:lstStyle/>
+          <a:p>
+            <a:r>
+              <a:rPr lang="en-US" sz="1400" b="1"/>
+              <a:t>Real Təsəvvür üçün Misal: </a:t>
+            </a:r>
+            <a:r>
+              <a:rPr lang="en-US" sz="1400"/>
+              <a:t>Tutaq ki, səndə bir Ubuntu server var.</a:t>
+            </a:r>
+          </a:p>
+          <a:p>
+            <a:br>
+              <a:rPr lang="en-US" sz="1400"/>
+            </a:br>
+            <a:r>
+              <a:rPr lang="en-US" sz="1400"/>
+              <a:t>Sən </a:t>
+            </a:r>
+            <a:r>
+              <a:rPr lang="en-US" sz="1400" b="1" i="1"/>
+              <a:t>docker run -it ubuntu bash </a:t>
+            </a:r>
+            <a:r>
+              <a:rPr lang="en-US" sz="1400"/>
+              <a:t>əmri ilə yeni container açırsan. </a:t>
+            </a:r>
+            <a:endParaRPr lang="az-Latn-AZ" sz="1400"/>
+          </a:p>
+          <a:p>
+            <a:endParaRPr lang="az-Latn-AZ" sz="1400" b="1"/>
+          </a:p>
+          <a:p>
+            <a:r>
+              <a:rPr lang="en-US" sz="1400" b="1"/>
+              <a:t>Container </a:t>
+            </a:r>
+            <a:r>
+              <a:rPr lang="az-Latn-AZ" sz="1400" b="1"/>
+              <a:t>içinə daxil olanda görürsən ki</a:t>
+            </a:r>
+            <a:r>
+              <a:rPr lang="az-Latn-AZ" sz="1400"/>
+              <a:t>: </a:t>
+            </a:r>
+            <a:r>
+              <a:rPr lang="en-US" sz="1400"/>
+              <a:t>sanki sistemdə yalnız 5 proses var. Amma əslində host-da 100 proses işləyir — sadəcə namespace sənə qalanlarını göstərmir.</a:t>
+            </a:r>
+            <a:endParaRPr lang="az-Latn-AZ" sz="1400"/>
+          </a:p>
+          <a:p>
+            <a:endParaRPr lang="az-Latn-AZ" sz="1400"/>
+          </a:p>
+          <a:p>
+            <a:endParaRPr lang="az-Latn-AZ" sz="1400"/>
+          </a:p>
+          <a:p>
+            <a:endParaRPr lang="az-Latn-AZ" sz="1400"/>
+          </a:p>
+          <a:p>
+            <a:endParaRPr lang="az-Latn-AZ" sz="1400"/>
+          </a:p>
+          <a:p>
+            <a:endParaRPr lang="az-Latn-AZ" sz="1400"/>
+          </a:p>
+          <a:p>
+            <a:r>
+              <a:rPr lang="en-US" sz="1400" b="1"/>
+              <a:t>Sonra sən</a:t>
+            </a:r>
+            <a:r>
+              <a:rPr lang="en-US" sz="1400"/>
+              <a:t>:</a:t>
+            </a:r>
+            <a:r>
+              <a:rPr lang="az-Latn-AZ" sz="1400"/>
+              <a:t> aşağıdakı kimi yazaraq </a:t>
+            </a:r>
+            <a:r>
+              <a:rPr lang="en-US" sz="1400"/>
+              <a:t>fərqli bir “</a:t>
+            </a:r>
+            <a:r>
+              <a:rPr lang="en-US" sz="1400" b="1"/>
+              <a:t>hostname</a:t>
+            </a:r>
+            <a:r>
+              <a:rPr lang="en-US" sz="1400"/>
+              <a:t>” görürsən (məsələn, </a:t>
+            </a:r>
+            <a:r>
+              <a:rPr lang="en-US" sz="1400" b="1"/>
+              <a:t>123abc</a:t>
+            </a:r>
+            <a:r>
+              <a:rPr lang="en-US" sz="1400"/>
+              <a:t>).</a:t>
+            </a:r>
+            <a:endParaRPr lang="az-Latn-AZ" sz="1400"/>
+          </a:p>
+          <a:p>
+            <a:endParaRPr lang="az-Latn-AZ" sz="1400"/>
+          </a:p>
+          <a:p>
+            <a:endParaRPr lang="az-Latn-AZ" sz="1400"/>
+          </a:p>
+          <a:p>
+            <a:endParaRPr lang="az-Latn-AZ" sz="1400"/>
+          </a:p>
+          <a:p>
+            <a:endParaRPr lang="az-Latn-AZ" sz="1400"/>
+          </a:p>
+          <a:p>
+            <a:pPr marL="285750" indent="-285750">
+              <a:lnSpc>
+                <a:spcPct val="150000"/>
+              </a:lnSpc>
+              <a:buFont typeface="Wingdings" panose="05000000000000000000" pitchFamily="2" charset="2"/>
+              <a:buChar char="§"/>
+            </a:pPr>
+            <a:r>
+              <a:rPr lang="en-US" sz="1400"/>
+              <a:t>Amma real host-un adı </a:t>
+            </a:r>
+            <a:r>
+              <a:rPr lang="en-US" sz="1400" b="1"/>
+              <a:t>server1</a:t>
+            </a:r>
+            <a:r>
+              <a:rPr lang="en-US" sz="1400"/>
+              <a:t> idi.</a:t>
+            </a:r>
+            <a:endParaRPr lang="az-Latn-AZ" sz="1400"/>
+          </a:p>
+          <a:p>
+            <a:pPr marL="285750" indent="-285750">
+              <a:lnSpc>
+                <a:spcPct val="150000"/>
+              </a:lnSpc>
+              <a:buFont typeface="Wingdings" panose="05000000000000000000" pitchFamily="2" charset="2"/>
+              <a:buChar char="§"/>
+            </a:pPr>
+            <a:r>
+              <a:rPr lang="en-US" sz="1400"/>
+              <a:t>Çünki UTS namespace sənə öz adını göstərir.</a:t>
+            </a:r>
+          </a:p>
+          <a:p>
+            <a:pPr marL="285750" indent="-285750">
+              <a:lnSpc>
+                <a:spcPct val="150000"/>
+              </a:lnSpc>
+              <a:buFont typeface="Wingdings" panose="05000000000000000000" pitchFamily="2" charset="2"/>
+              <a:buChar char="§"/>
+            </a:pPr>
+            <a:r>
+              <a:rPr lang="en-US" sz="1400"/>
+              <a:t>Və əgər bu container çox RAM istifadə etsə, </a:t>
+            </a:r>
+            <a:r>
+              <a:rPr lang="en-US" sz="1400" b="1"/>
+              <a:t>cgroup</a:t>
+            </a:r>
+            <a:r>
+              <a:rPr lang="en-US" sz="1400"/>
+              <a:t> onu dayandıracaq.</a:t>
+            </a:r>
+          </a:p>
+          <a:p>
+            <a:endParaRPr lang="en-US" sz="1400"/>
+          </a:p>
+        </p:txBody>
+      </p:sp>
+      <p:pic>
+        <p:nvPicPr>
+          <p:cNvPr id="3" name="Picture 2">
+            <a:extLst>
+              <a:ext uri="{FF2B5EF4-FFF2-40B4-BE49-F238E27FC236}">
+                <a16:creationId xmlns:a16="http://schemas.microsoft.com/office/drawing/2014/main" id="{D01912BD-47B1-6786-1C27-89F863FA66CA}"/>
+              </a:ext>
+            </a:extLst>
+          </p:cNvPr>
+          <p:cNvPicPr>
+            <a:picLocks noChangeAspect="1"/>
+          </p:cNvPicPr>
+          <p:nvPr/>
+        </p:nvPicPr>
+        <p:blipFill>
+          <a:blip r:embed="rId2"/>
+          <a:stretch>
+            <a:fillRect/>
+          </a:stretch>
+        </p:blipFill>
+        <p:spPr>
+          <a:xfrm>
+            <a:off x="0" y="1506741"/>
+            <a:ext cx="2172003" cy="409632"/>
+          </a:xfrm>
+          <a:prstGeom prst="rect">
+            <a:avLst/>
+          </a:prstGeom>
+        </p:spPr>
+      </p:pic>
+      <p:pic>
+        <p:nvPicPr>
+          <p:cNvPr id="5" name="Picture 4">
+            <a:extLst>
+              <a:ext uri="{FF2B5EF4-FFF2-40B4-BE49-F238E27FC236}">
+                <a16:creationId xmlns:a16="http://schemas.microsoft.com/office/drawing/2014/main" id="{A0949080-E0B6-31B5-FC2E-1047139246EA}"/>
+              </a:ext>
+            </a:extLst>
+          </p:cNvPr>
+          <p:cNvPicPr>
+            <a:picLocks noChangeAspect="1"/>
+          </p:cNvPicPr>
+          <p:nvPr/>
+        </p:nvPicPr>
+        <p:blipFill>
+          <a:blip r:embed="rId3"/>
+          <a:stretch>
+            <a:fillRect/>
+          </a:stretch>
+        </p:blipFill>
+        <p:spPr>
+          <a:xfrm>
+            <a:off x="0" y="2810948"/>
+            <a:ext cx="1028844" cy="504895"/>
+          </a:xfrm>
+          <a:prstGeom prst="rect">
+            <a:avLst/>
+          </a:prstGeom>
+        </p:spPr>
+      </p:pic>
+    </p:spTree>
+    <p:extLst>
+      <p:ext uri="{BB962C8B-B14F-4D97-AF65-F5344CB8AC3E}">
+        <p14:creationId xmlns:p14="http://schemas.microsoft.com/office/powerpoint/2010/main" val="870016464"/>
+      </p:ext>
+    </p:extLst>
+  </p:cSld>
+  <p:clrMapOvr>
+    <a:masterClrMapping/>
+  </p:clrMapOvr>
+</p:sld>
+</file>
+
+<file path=ppt/slides/slide11.xml><?xml version="1.0" encoding="utf-8"?>
+<p:sld xmlns:a="http://schemas.openxmlformats.org/drawingml/2006/main" xmlns:r="http://schemas.openxmlformats.org/officeDocument/2006/relationships" xmlns:p="http://schemas.openxmlformats.org/presentationml/2006/main">
+  <p:cSld>
+    <p:spTree>
+      <p:nvGrpSpPr>
+        <p:cNvPr id="1" name="">
+          <a:extLst>
+            <a:ext uri="{FF2B5EF4-FFF2-40B4-BE49-F238E27FC236}">
               <a16:creationId xmlns:a16="http://schemas.microsoft.com/office/drawing/2014/main" id="{486CB8E2-5A2E-3664-D0E4-2021F8041A10}"/>
             </a:ext>
           </a:extLst>
@@ -5122,78 +5418,6 @@
     <p:extLst>
       <p:ext uri="{BB962C8B-B14F-4D97-AF65-F5344CB8AC3E}">
         <p14:creationId xmlns:p14="http://schemas.microsoft.com/office/powerpoint/2010/main" val="2905733274"/>
-      </p:ext>
-    </p:extLst>
-  </p:cSld>
-  <p:clrMapOvr>
-    <a:masterClrMapping/>
-  </p:clrMapOvr>
-</p:sld>
-</file>
-
-<file path=ppt/slides/slide11.xml><?xml version="1.0" encoding="utf-8"?>
-<p:sld xmlns:a="http://schemas.openxmlformats.org/drawingml/2006/main" xmlns:r="http://schemas.openxmlformats.org/officeDocument/2006/relationships" xmlns:p="http://schemas.openxmlformats.org/presentationml/2006/main">
-  <p:cSld>
-    <p:spTree>
-      <p:nvGrpSpPr>
-        <p:cNvPr id="1" name="">
-          <a:extLst>
-            <a:ext uri="{FF2B5EF4-FFF2-40B4-BE49-F238E27FC236}">
-              <a16:creationId xmlns:a16="http://schemas.microsoft.com/office/drawing/2014/main" id="{318E1199-3F09-F932-371F-15F7E09246BA}"/>
-            </a:ext>
-          </a:extLst>
-        </p:cNvPr>
-        <p:cNvGrpSpPr/>
-        <p:nvPr/>
-      </p:nvGrpSpPr>
-      <p:grpSpPr>
-        <a:xfrm>
-          <a:off x="0" y="0"/>
-          <a:ext cx="0" cy="0"/>
-          <a:chOff x="0" y="0"/>
-          <a:chExt cx="0" cy="0"/>
-        </a:xfrm>
-      </p:grpSpPr>
-      <p:sp>
-        <p:nvSpPr>
-          <p:cNvPr id="7" name="TextBox 6">
-            <a:extLst>
-              <a:ext uri="{FF2B5EF4-FFF2-40B4-BE49-F238E27FC236}">
-                <a16:creationId xmlns:a16="http://schemas.microsoft.com/office/drawing/2014/main" id="{C0F87EC5-B07B-A13D-3451-E8057D6B0E52}"/>
-              </a:ext>
-            </a:extLst>
-          </p:cNvPr>
-          <p:cNvSpPr txBox="1"/>
-          <p:nvPr/>
-        </p:nvSpPr>
-        <p:spPr>
-          <a:xfrm>
-            <a:off x="203200" y="244826"/>
-            <a:ext cx="11822545" cy="276999"/>
-          </a:xfrm>
-          <a:prstGeom prst="rect">
-            <a:avLst/>
-          </a:prstGeom>
-          <a:noFill/>
-        </p:spPr>
-        <p:txBody>
-          <a:bodyPr wrap="square">
-            <a:spAutoFit/>
-          </a:bodyPr>
-          <a:lstStyle/>
-          <a:p>
-            <a:r>
-              <a:rPr lang="az-Latn-AZ" sz="1200"/>
-              <a:t>.</a:t>
-            </a:r>
-            <a:endParaRPr lang="en-US" sz="1200"/>
-          </a:p>
-        </p:txBody>
-      </p:sp>
-    </p:spTree>
-    <p:extLst>
-      <p:ext uri="{BB962C8B-B14F-4D97-AF65-F5344CB8AC3E}">
-        <p14:creationId xmlns:p14="http://schemas.microsoft.com/office/powerpoint/2010/main" val="3651233914"/>
       </p:ext>
     </p:extLst>
   </p:cSld>
@@ -7671,8 +7895,8 @@
         </p:nvSpPr>
         <p:spPr>
           <a:xfrm>
-            <a:off x="203200" y="244826"/>
-            <a:ext cx="11822545" cy="830997"/>
+            <a:off x="0" y="0"/>
+            <a:ext cx="9537290" cy="6694140"/>
           </a:xfrm>
           <a:prstGeom prst="rect">
             <a:avLst/>
@@ -7686,21 +7910,21 @@
           <a:lstStyle/>
           <a:p>
             <a:r>
-              <a:rPr lang="en-US" sz="1200" b="1"/>
+              <a:rPr lang="en-US" sz="1100" b="1"/>
               <a:t>Real Həyat Misalı: Laravel + MySQL + Nginx</a:t>
             </a:r>
-            <a:endParaRPr lang="az-Latn-AZ" sz="1200" b="1"/>
-          </a:p>
-          <a:p>
-            <a:endParaRPr lang="en-US" sz="1200" b="1"/>
-          </a:p>
-          <a:p>
-            <a:r>
-              <a:rPr lang="en-US" sz="1200"/>
+            <a:endParaRPr lang="az-Latn-AZ" sz="1100" b="1"/>
+          </a:p>
+          <a:p>
+            <a:endParaRPr lang="en-US" sz="1100" b="1"/>
+          </a:p>
+          <a:p>
+            <a:r>
+              <a:rPr lang="en-US" sz="1100"/>
               <a:t>Bir “</a:t>
             </a:r>
             <a:r>
-              <a:rPr lang="en-US" sz="1200" b="1">
+              <a:rPr lang="en-US" sz="1100" b="1">
                 <a:solidFill>
                   <a:srgbClr val="FF0000"/>
                 </a:solidFill>
@@ -7708,52 +7932,332 @@
               <a:t>containerized</a:t>
             </a:r>
             <a:r>
-              <a:rPr lang="en-US" sz="1200"/>
+              <a:rPr lang="en-US" sz="1100"/>
               <a:t>” veb tətbiqi belə işləyir:</a:t>
             </a:r>
             <a:r>
-              <a:rPr lang="az-Latn-AZ" sz="1200"/>
+              <a:rPr lang="az-Latn-AZ" sz="1100"/>
               <a:t> </a:t>
             </a:r>
             <a:r>
-              <a:rPr lang="en-US" sz="1200"/>
+              <a:rPr lang="en-US" sz="1100"/>
               <a:t>Bu üçü </a:t>
             </a:r>
             <a:r>
-              <a:rPr lang="en-US" sz="1200" b="1"/>
+              <a:rPr lang="en-US" sz="1100" b="1"/>
               <a:t>bir serverdə üç fərqli container</a:t>
             </a:r>
             <a:r>
-              <a:rPr lang="en-US" sz="1200"/>
+              <a:rPr lang="en-US" sz="1100"/>
               <a:t> kimi işləyir.</a:t>
             </a:r>
             <a:r>
-              <a:rPr lang="az-Latn-AZ" sz="1200"/>
+              <a:rPr lang="az-Latn-AZ" sz="1100"/>
               <a:t> </a:t>
             </a:r>
             <a:r>
-              <a:rPr lang="en-US" sz="1200"/>
+              <a:rPr lang="en-US" sz="1100"/>
               <a:t>Bunların əlaqəsini </a:t>
             </a:r>
             <a:r>
-              <a:rPr lang="en-US" sz="1200" b="1"/>
+              <a:rPr lang="en-US" sz="1100" b="1"/>
               <a:t>Docker Compose</a:t>
             </a:r>
             <a:r>
-              <a:rPr lang="en-US" sz="1200"/>
+              <a:rPr lang="en-US" sz="1100"/>
               <a:t> və ya </a:t>
             </a:r>
             <a:r>
-              <a:rPr lang="en-US" sz="1200" b="1"/>
+              <a:rPr lang="en-US" sz="1100" b="1"/>
               <a:t>Kubernetes</a:t>
             </a:r>
             <a:r>
-              <a:rPr lang="en-US" sz="1200"/>
+              <a:rPr lang="en-US" sz="1100"/>
               <a:t> idarə edir.</a:t>
             </a:r>
           </a:p>
           <a:p>
-            <a:endParaRPr lang="en-US" sz="1200"/>
+            <a:endParaRPr lang="az-Latn-AZ" sz="1100"/>
+          </a:p>
+          <a:p>
+            <a:endParaRPr lang="az-Latn-AZ" sz="1100"/>
+          </a:p>
+          <a:p>
+            <a:endParaRPr lang="az-Latn-AZ" sz="1100"/>
+          </a:p>
+          <a:p>
+            <a:endParaRPr lang="az-Latn-AZ" sz="1100"/>
+          </a:p>
+          <a:p>
+            <a:endParaRPr lang="az-Latn-AZ" sz="1100"/>
+          </a:p>
+          <a:p>
+            <a:endParaRPr lang="az-Latn-AZ" sz="1100"/>
+          </a:p>
+          <a:p>
+            <a:endParaRPr lang="az-Latn-AZ" sz="1100"/>
+          </a:p>
+          <a:p>
+            <a:endParaRPr lang="az-Latn-AZ" sz="1100"/>
+          </a:p>
+          <a:p>
+            <a:r>
+              <a:rPr lang="en-US" sz="1100" b="1">
+                <a:solidFill>
+                  <a:srgbClr val="FF0000"/>
+                </a:solidFill>
+              </a:rPr>
+              <a:t>Docker Compose nədir?</a:t>
+            </a:r>
+          </a:p>
+          <a:p>
+            <a:pPr marL="171450" indent="-171450">
+              <a:lnSpc>
+                <a:spcPct val="150000"/>
+              </a:lnSpc>
+              <a:buFont typeface="Arial" panose="020B0604020202020204" pitchFamily="34" charset="0"/>
+              <a:buChar char="•"/>
+            </a:pPr>
+            <a:r>
+              <a:rPr lang="en-US" sz="1100" b="1"/>
+              <a:t>Docker Compose</a:t>
+            </a:r>
+            <a:r>
+              <a:rPr lang="en-US" sz="1100"/>
+              <a:t> — bir neçə konteynerdən ibarət </a:t>
+            </a:r>
+            <a:r>
+              <a:rPr lang="en-US" sz="1100" b="1"/>
+              <a:t>tam sistemi (stack)</a:t>
+            </a:r>
+            <a:r>
+              <a:rPr lang="en-US" sz="1100"/>
+              <a:t> </a:t>
+            </a:r>
+            <a:r>
+              <a:rPr lang="en-US" sz="1100" i="1"/>
+              <a:t>tək bir YAML faylı ilə</a:t>
+            </a:r>
+            <a:r>
+              <a:rPr lang="en-US" sz="1100"/>
+              <a:t> idarə etməyə yarayan alətdir.</a:t>
+            </a:r>
+            <a:r>
+              <a:rPr lang="az-Latn-AZ" sz="1100"/>
+              <a:t> </a:t>
+            </a:r>
+            <a:r>
+              <a:rPr lang="en-US" sz="1100"/>
+              <a:t>Bu fayl adətən </a:t>
+            </a:r>
+            <a:r>
+              <a:rPr lang="en-US" sz="1100" b="1"/>
+              <a:t>docker-compose.yml</a:t>
+            </a:r>
+            <a:r>
+              <a:rPr lang="en-US" sz="1100"/>
+              <a:t> adlanır.</a:t>
+            </a:r>
+          </a:p>
+          <a:p>
+            <a:endParaRPr lang="az-Latn-AZ" sz="1100"/>
+          </a:p>
+          <a:p>
+            <a:r>
+              <a:rPr lang="en-US" sz="1100"/>
+              <a:t>Tək Docker ilə işləyərkən hər konteyneri ayrıca işə salırsan:</a:t>
+            </a:r>
+            <a:endParaRPr lang="az-Latn-AZ" sz="1100"/>
+          </a:p>
+          <a:p>
+            <a:endParaRPr lang="az-Latn-AZ" sz="1100"/>
+          </a:p>
+          <a:p>
+            <a:endParaRPr lang="az-Latn-AZ" sz="1100"/>
+          </a:p>
+          <a:p>
+            <a:endParaRPr lang="az-Latn-AZ" sz="1100"/>
+          </a:p>
+          <a:p>
+            <a:endParaRPr lang="az-Latn-AZ" sz="1100"/>
+          </a:p>
+          <a:p>
+            <a:endParaRPr lang="az-Latn-AZ" sz="1100"/>
+          </a:p>
+          <a:p>
+            <a:endParaRPr lang="az-Latn-AZ" sz="1100"/>
+          </a:p>
+          <a:p>
+            <a:r>
+              <a:rPr lang="en-US" sz="1100"/>
+              <a:t>Amma Docker Compose ilə sən bunları bir “sistem” kimi birlikdə idarə edirsən. Yəni bir əmrlə hamısını başladırsan və bağlayırsan</a:t>
+            </a:r>
+            <a:r>
+              <a:rPr lang="az-Latn-AZ" sz="1100"/>
+              <a:t>:</a:t>
+            </a:r>
+          </a:p>
+          <a:p>
+            <a:endParaRPr lang="az-Latn-AZ" sz="1100"/>
+          </a:p>
+          <a:p>
+            <a:endParaRPr lang="az-Latn-AZ" sz="1100"/>
+          </a:p>
+          <a:p>
+            <a:endParaRPr lang="az-Latn-AZ" sz="1100"/>
+          </a:p>
+          <a:p>
+            <a:endParaRPr lang="az-Latn-AZ" sz="1100"/>
+          </a:p>
+          <a:p>
+            <a:r>
+              <a:rPr lang="en-US" sz="1100" b="1">
+                <a:solidFill>
+                  <a:srgbClr val="0070C0"/>
+                </a:solidFill>
+              </a:rPr>
+              <a:t>Docker Compose faylı </a:t>
+            </a:r>
+            <a:r>
+              <a:rPr lang="az-Latn-AZ" sz="1100" b="1">
+                <a:solidFill>
+                  <a:srgbClr val="0070C0"/>
+                </a:solidFill>
+              </a:rPr>
+              <a:t>sağ şəkildəki kimi</a:t>
+            </a:r>
+            <a:r>
+              <a:rPr lang="en-US" sz="1100" b="1">
+                <a:solidFill>
+                  <a:srgbClr val="0070C0"/>
+                </a:solidFill>
+              </a:rPr>
+              <a:t> görünür</a:t>
+            </a:r>
+            <a:r>
+              <a:rPr lang="az-Latn-AZ" sz="1100"/>
+              <a:t>.</a:t>
+            </a:r>
+          </a:p>
+          <a:p>
+            <a:endParaRPr lang="az-Latn-AZ" sz="1100"/>
+          </a:p>
+          <a:p>
+            <a:pPr>
+              <a:buNone/>
+            </a:pPr>
+            <a:r>
+              <a:rPr lang="en-US" sz="1100"/>
+              <a:t>Bu YAML faylı </a:t>
+            </a:r>
+            <a:r>
+              <a:rPr lang="en-US" sz="1100" b="1"/>
+              <a:t>3 servis</a:t>
+            </a:r>
+            <a:r>
+              <a:rPr lang="en-US" sz="1100"/>
+              <a:t> yaradır:</a:t>
+            </a:r>
+          </a:p>
+          <a:p>
+            <a:pPr marL="628650" lvl="1" indent="-171450">
+              <a:buFont typeface="Arial" panose="020B0604020202020204" pitchFamily="34" charset="0"/>
+              <a:buChar char="•"/>
+            </a:pPr>
+            <a:r>
+              <a:rPr lang="en-US" sz="1100" b="1"/>
+              <a:t>db (MySQL)</a:t>
+            </a:r>
+            <a:r>
+              <a:rPr lang="en-US" sz="1100"/>
+              <a:t> — məlumat bazası</a:t>
+            </a:r>
+          </a:p>
+          <a:p>
+            <a:pPr marL="628650" lvl="1" indent="-171450">
+              <a:buFont typeface="Arial" panose="020B0604020202020204" pitchFamily="34" charset="0"/>
+              <a:buChar char="•"/>
+            </a:pPr>
+            <a:r>
+              <a:rPr lang="en-US" sz="1100" b="1"/>
+              <a:t>php (PHP-FPM)</a:t>
+            </a:r>
+            <a:r>
+              <a:rPr lang="en-US" sz="1100"/>
+              <a:t> — backend</a:t>
+            </a:r>
+          </a:p>
+          <a:p>
+            <a:pPr marL="628650" lvl="1" indent="-171450">
+              <a:buFont typeface="Arial" panose="020B0604020202020204" pitchFamily="34" charset="0"/>
+              <a:buChar char="•"/>
+            </a:pPr>
+            <a:r>
+              <a:rPr lang="en-US" sz="1100" b="1"/>
+              <a:t>web (Nginx)</a:t>
+            </a:r>
+            <a:r>
+              <a:rPr lang="en-US" sz="1100"/>
+              <a:t> — web server</a:t>
+            </a:r>
+            <a:endParaRPr lang="az-Latn-AZ" sz="1100"/>
+          </a:p>
+          <a:p>
+            <a:pPr marL="628650" lvl="1" indent="-171450">
+              <a:buFont typeface="Arial" panose="020B0604020202020204" pitchFamily="34" charset="0"/>
+              <a:buChar char="•"/>
+            </a:pPr>
+            <a:endParaRPr lang="en-US" sz="1100"/>
+          </a:p>
+          <a:p>
+            <a:pPr>
+              <a:buNone/>
+            </a:pPr>
+            <a:r>
+              <a:rPr lang="en-US" sz="1100"/>
+              <a:t>Və onlar </a:t>
+            </a:r>
+            <a:r>
+              <a:rPr lang="en-US" sz="1100" b="1"/>
+              <a:t>bir-birinə avtomatik bağlanır</a:t>
+            </a:r>
+            <a:r>
+              <a:rPr lang="en-US" sz="1100"/>
+              <a:t>, yəni:</a:t>
+            </a:r>
+          </a:p>
+          <a:p>
+            <a:pPr lvl="1">
+              <a:buFont typeface="Arial" panose="020B0604020202020204" pitchFamily="34" charset="0"/>
+              <a:buChar char="•"/>
+            </a:pPr>
+            <a:r>
+              <a:rPr lang="en-US" sz="1100"/>
+              <a:t>PHP → </a:t>
+            </a:r>
+            <a:r>
+              <a:rPr lang="en-US" sz="1100">
+                <a:latin typeface="Courier New" panose="02070309020205020404" pitchFamily="49" charset="0"/>
+              </a:rPr>
+              <a:t>db</a:t>
+            </a:r>
+            <a:r>
+              <a:rPr lang="en-US" sz="1100"/>
+              <a:t> host adı ilə MySQL-ə qoşulur</a:t>
+            </a:r>
+          </a:p>
+          <a:p>
+            <a:pPr lvl="1">
+              <a:buFont typeface="Arial" panose="020B0604020202020204" pitchFamily="34" charset="0"/>
+              <a:buChar char="•"/>
+            </a:pPr>
+            <a:r>
+              <a:rPr lang="en-US" sz="1100"/>
+              <a:t>Nginx → PHP-FPM-ə qoşulur</a:t>
+            </a:r>
+          </a:p>
+          <a:p>
+            <a:endParaRPr lang="en-US" sz="1100"/>
           </a:p>
         </p:txBody>
       </p:sp>
@@ -7772,35 +8276,35 @@
           <p:nvPr>
             <p:extLst>
               <p:ext uri="{D42A27DB-BD31-4B8C-83A1-F6EECF244321}">
-                <p14:modId xmlns:p14="http://schemas.microsoft.com/office/powerpoint/2010/main" val="3277211618"/>
+                <p14:modId xmlns:p14="http://schemas.microsoft.com/office/powerpoint/2010/main" val="3288742288"/>
               </p:ext>
             </p:extLst>
           </p:nvPr>
         </p:nvGraphicFramePr>
         <p:xfrm>
-          <a:off x="203200" y="1274718"/>
-          <a:ext cx="10515600" cy="2299752"/>
+          <a:off x="0" y="651532"/>
+          <a:ext cx="3529130" cy="1036320"/>
         </p:xfrm>
         <a:graphic>
           <a:graphicData uri="http://schemas.openxmlformats.org/drawingml/2006/table">
             <a:tbl>
               <a:tblPr/>
               <a:tblGrid>
-                <a:gridCol w="3505200">
+                <a:gridCol w="1336993">
                   <a:extLst>
                     <a:ext uri="{9D8B030D-6E8A-4147-A177-3AD203B41FA5}">
                       <a16:colId xmlns:a16="http://schemas.microsoft.com/office/drawing/2014/main" val="850081046"/>
                     </a:ext>
                   </a:extLst>
                 </a:gridCol>
-                <a:gridCol w="3505200">
+                <a:gridCol w="1224280">
                   <a:extLst>
                     <a:ext uri="{9D8B030D-6E8A-4147-A177-3AD203B41FA5}">
                       <a16:colId xmlns:a16="http://schemas.microsoft.com/office/drawing/2014/main" val="2462009126"/>
                     </a:ext>
                   </a:extLst>
                 </a:gridCol>
-                <a:gridCol w="3505200">
+                <a:gridCol w="967857">
                   <a:extLst>
                     <a:ext uri="{9D8B030D-6E8A-4147-A177-3AD203B41FA5}">
                       <a16:colId xmlns:a16="http://schemas.microsoft.com/office/drawing/2014/main" val="3786172848"/>
@@ -7808,7 +8312,967 @@
                   </a:extLst>
                 </a:gridCol>
               </a:tblGrid>
-              <a:tr h="574938">
+              <a:tr h="0">
+                <a:tc>
+                  <a:txBody>
+                    <a:bodyPr/>
+                    <a:lstStyle/>
+                    <a:p>
+                      <a:pPr>
+                        <a:buNone/>
+                      </a:pPr>
+                      <a:r>
+                        <a:rPr lang="en-US" sz="1100" b="1"/>
+                        <a:t>Xidmət</a:t>
+                      </a:r>
+                    </a:p>
+                  </a:txBody>
+                  <a:tcPr anchor="ctr">
+                    <a:lnL w="12700" cap="flat" cmpd="sng" algn="ctr">
+                      <a:solidFill>
+                        <a:schemeClr val="tx1"/>
+                      </a:solidFill>
+                      <a:prstDash val="solid"/>
+                      <a:round/>
+                      <a:headEnd type="none" w="med" len="med"/>
+                      <a:tailEnd type="none" w="med" len="med"/>
+                    </a:lnL>
+                    <a:lnR w="12700" cap="flat" cmpd="sng" algn="ctr">
+                      <a:solidFill>
+                        <a:schemeClr val="tx1"/>
+                      </a:solidFill>
+                      <a:prstDash val="solid"/>
+                      <a:round/>
+                      <a:headEnd type="none" w="med" len="med"/>
+                      <a:tailEnd type="none" w="med" len="med"/>
+                    </a:lnR>
+                    <a:lnT w="12700" cap="flat" cmpd="sng" algn="ctr">
+                      <a:solidFill>
+                        <a:schemeClr val="tx1"/>
+                      </a:solidFill>
+                      <a:prstDash val="solid"/>
+                      <a:round/>
+                      <a:headEnd type="none" w="med" len="med"/>
+                      <a:tailEnd type="none" w="med" len="med"/>
+                    </a:lnT>
+                    <a:lnB w="12700" cap="flat" cmpd="sng" algn="ctr">
+                      <a:solidFill>
+                        <a:schemeClr val="tx1"/>
+                      </a:solidFill>
+                      <a:prstDash val="solid"/>
+                      <a:round/>
+                      <a:headEnd type="none" w="med" len="med"/>
+                      <a:tailEnd type="none" w="med" len="med"/>
+                    </a:lnB>
+                    <a:solidFill>
+                      <a:schemeClr val="accent2"/>
+                    </a:solidFill>
+                  </a:tcPr>
+                </a:tc>
+                <a:tc>
+                  <a:txBody>
+                    <a:bodyPr/>
+                    <a:lstStyle/>
+                    <a:p>
+                      <a:pPr>
+                        <a:buNone/>
+                      </a:pPr>
+                      <a:r>
+                        <a:rPr lang="en-US" sz="1100" b="1"/>
+                        <a:t>Container Image</a:t>
+                      </a:r>
+                    </a:p>
+                  </a:txBody>
+                  <a:tcPr anchor="ctr">
+                    <a:lnL w="12700" cap="flat" cmpd="sng" algn="ctr">
+                      <a:solidFill>
+                        <a:schemeClr val="tx1"/>
+                      </a:solidFill>
+                      <a:prstDash val="solid"/>
+                      <a:round/>
+                      <a:headEnd type="none" w="med" len="med"/>
+                      <a:tailEnd type="none" w="med" len="med"/>
+                    </a:lnL>
+                    <a:lnR w="12700" cap="flat" cmpd="sng" algn="ctr">
+                      <a:solidFill>
+                        <a:schemeClr val="tx1"/>
+                      </a:solidFill>
+                      <a:prstDash val="solid"/>
+                      <a:round/>
+                      <a:headEnd type="none" w="med" len="med"/>
+                      <a:tailEnd type="none" w="med" len="med"/>
+                    </a:lnR>
+                    <a:lnT w="12700" cap="flat" cmpd="sng" algn="ctr">
+                      <a:solidFill>
+                        <a:schemeClr val="tx1"/>
+                      </a:solidFill>
+                      <a:prstDash val="solid"/>
+                      <a:round/>
+                      <a:headEnd type="none" w="med" len="med"/>
+                      <a:tailEnd type="none" w="med" len="med"/>
+                    </a:lnT>
+                    <a:lnB w="12700" cap="flat" cmpd="sng" algn="ctr">
+                      <a:solidFill>
+                        <a:schemeClr val="tx1"/>
+                      </a:solidFill>
+                      <a:prstDash val="solid"/>
+                      <a:round/>
+                      <a:headEnd type="none" w="med" len="med"/>
+                      <a:tailEnd type="none" w="med" len="med"/>
+                    </a:lnB>
+                    <a:solidFill>
+                      <a:schemeClr val="accent2"/>
+                    </a:solidFill>
+                  </a:tcPr>
+                </a:tc>
+                <a:tc>
+                  <a:txBody>
+                    <a:bodyPr/>
+                    <a:lstStyle/>
+                    <a:p>
+                      <a:pPr>
+                        <a:buNone/>
+                      </a:pPr>
+                      <a:r>
+                        <a:rPr lang="en-US" sz="1100" b="1"/>
+                        <a:t>Port</a:t>
+                      </a:r>
+                    </a:p>
+                  </a:txBody>
+                  <a:tcPr anchor="ctr">
+                    <a:lnL w="12700" cap="flat" cmpd="sng" algn="ctr">
+                      <a:solidFill>
+                        <a:schemeClr val="tx1"/>
+                      </a:solidFill>
+                      <a:prstDash val="solid"/>
+                      <a:round/>
+                      <a:headEnd type="none" w="med" len="med"/>
+                      <a:tailEnd type="none" w="med" len="med"/>
+                    </a:lnL>
+                    <a:lnR w="12700" cap="flat" cmpd="sng" algn="ctr">
+                      <a:solidFill>
+                        <a:schemeClr val="tx1"/>
+                      </a:solidFill>
+                      <a:prstDash val="solid"/>
+                      <a:round/>
+                      <a:headEnd type="none" w="med" len="med"/>
+                      <a:tailEnd type="none" w="med" len="med"/>
+                    </a:lnR>
+                    <a:lnT w="12700" cap="flat" cmpd="sng" algn="ctr">
+                      <a:solidFill>
+                        <a:schemeClr val="tx1"/>
+                      </a:solidFill>
+                      <a:prstDash val="solid"/>
+                      <a:round/>
+                      <a:headEnd type="none" w="med" len="med"/>
+                      <a:tailEnd type="none" w="med" len="med"/>
+                    </a:lnT>
+                    <a:lnB w="12700" cap="flat" cmpd="sng" algn="ctr">
+                      <a:solidFill>
+                        <a:schemeClr val="tx1"/>
+                      </a:solidFill>
+                      <a:prstDash val="solid"/>
+                      <a:round/>
+                      <a:headEnd type="none" w="med" len="med"/>
+                      <a:tailEnd type="none" w="med" len="med"/>
+                    </a:lnB>
+                    <a:solidFill>
+                      <a:schemeClr val="accent2"/>
+                    </a:solidFill>
+                  </a:tcPr>
+                </a:tc>
+                <a:extLst>
+                  <a:ext uri="{0D108BD9-81ED-4DB2-BD59-A6C34878D82A}">
+                    <a16:rowId xmlns:a16="http://schemas.microsoft.com/office/drawing/2014/main" val="1698873209"/>
+                  </a:ext>
+                </a:extLst>
+              </a:tr>
+              <a:tr h="0">
+                <a:tc>
+                  <a:txBody>
+                    <a:bodyPr/>
+                    <a:lstStyle/>
+                    <a:p>
+                      <a:pPr>
+                        <a:buNone/>
+                      </a:pPr>
+                      <a:r>
+                        <a:rPr lang="en-US" sz="1100"/>
+                        <a:t>Nginx (frontend)</a:t>
+                      </a:r>
+                    </a:p>
+                  </a:txBody>
+                  <a:tcPr anchor="ctr">
+                    <a:lnL w="12700" cap="flat" cmpd="sng" algn="ctr">
+                      <a:solidFill>
+                        <a:schemeClr val="tx1"/>
+                      </a:solidFill>
+                      <a:prstDash val="solid"/>
+                      <a:round/>
+                      <a:headEnd type="none" w="med" len="med"/>
+                      <a:tailEnd type="none" w="med" len="med"/>
+                    </a:lnL>
+                    <a:lnR w="12700" cap="flat" cmpd="sng" algn="ctr">
+                      <a:solidFill>
+                        <a:schemeClr val="tx1"/>
+                      </a:solidFill>
+                      <a:prstDash val="solid"/>
+                      <a:round/>
+                      <a:headEnd type="none" w="med" len="med"/>
+                      <a:tailEnd type="none" w="med" len="med"/>
+                    </a:lnR>
+                    <a:lnT w="12700" cap="flat" cmpd="sng" algn="ctr">
+                      <a:solidFill>
+                        <a:schemeClr val="tx1"/>
+                      </a:solidFill>
+                      <a:prstDash val="solid"/>
+                      <a:round/>
+                      <a:headEnd type="none" w="med" len="med"/>
+                      <a:tailEnd type="none" w="med" len="med"/>
+                    </a:lnT>
+                    <a:lnB w="12700" cap="flat" cmpd="sng" algn="ctr">
+                      <a:solidFill>
+                        <a:schemeClr val="tx1"/>
+                      </a:solidFill>
+                      <a:prstDash val="solid"/>
+                      <a:round/>
+                      <a:headEnd type="none" w="med" len="med"/>
+                      <a:tailEnd type="none" w="med" len="med"/>
+                    </a:lnB>
+                    <a:noFill/>
+                  </a:tcPr>
+                </a:tc>
+                <a:tc>
+                  <a:txBody>
+                    <a:bodyPr/>
+                    <a:lstStyle/>
+                    <a:p>
+                      <a:pPr>
+                        <a:buNone/>
+                      </a:pPr>
+                      <a:r>
+                        <a:rPr lang="en-US" sz="1100">
+                          <a:latin typeface="Courier New" panose="02070309020205020404" pitchFamily="49" charset="0"/>
+                        </a:rPr>
+                        <a:t>nginx:latest</a:t>
+                      </a:r>
+                      <a:endParaRPr lang="en-US" sz="1100"/>
+                    </a:p>
+                  </a:txBody>
+                  <a:tcPr anchor="ctr">
+                    <a:lnL w="12700" cap="flat" cmpd="sng" algn="ctr">
+                      <a:solidFill>
+                        <a:schemeClr val="tx1"/>
+                      </a:solidFill>
+                      <a:prstDash val="solid"/>
+                      <a:round/>
+                      <a:headEnd type="none" w="med" len="med"/>
+                      <a:tailEnd type="none" w="med" len="med"/>
+                    </a:lnL>
+                    <a:lnR w="12700" cap="flat" cmpd="sng" algn="ctr">
+                      <a:solidFill>
+                        <a:schemeClr val="tx1"/>
+                      </a:solidFill>
+                      <a:prstDash val="solid"/>
+                      <a:round/>
+                      <a:headEnd type="none" w="med" len="med"/>
+                      <a:tailEnd type="none" w="med" len="med"/>
+                    </a:lnR>
+                    <a:lnT w="12700" cap="flat" cmpd="sng" algn="ctr">
+                      <a:solidFill>
+                        <a:schemeClr val="tx1"/>
+                      </a:solidFill>
+                      <a:prstDash val="solid"/>
+                      <a:round/>
+                      <a:headEnd type="none" w="med" len="med"/>
+                      <a:tailEnd type="none" w="med" len="med"/>
+                    </a:lnT>
+                    <a:lnB w="12700" cap="flat" cmpd="sng" algn="ctr">
+                      <a:solidFill>
+                        <a:schemeClr val="tx1"/>
+                      </a:solidFill>
+                      <a:prstDash val="solid"/>
+                      <a:round/>
+                      <a:headEnd type="none" w="med" len="med"/>
+                      <a:tailEnd type="none" w="med" len="med"/>
+                    </a:lnB>
+                    <a:noFill/>
+                  </a:tcPr>
+                </a:tc>
+                <a:tc>
+                  <a:txBody>
+                    <a:bodyPr/>
+                    <a:lstStyle/>
+                    <a:p>
+                      <a:pPr>
+                        <a:buNone/>
+                      </a:pPr>
+                      <a:r>
+                        <a:rPr lang="en-US" sz="1100"/>
+                        <a:t>80</a:t>
+                      </a:r>
+                    </a:p>
+                  </a:txBody>
+                  <a:tcPr anchor="ctr">
+                    <a:lnL w="12700" cap="flat" cmpd="sng" algn="ctr">
+                      <a:solidFill>
+                        <a:schemeClr val="tx1"/>
+                      </a:solidFill>
+                      <a:prstDash val="solid"/>
+                      <a:round/>
+                      <a:headEnd type="none" w="med" len="med"/>
+                      <a:tailEnd type="none" w="med" len="med"/>
+                    </a:lnL>
+                    <a:lnR w="12700" cap="flat" cmpd="sng" algn="ctr">
+                      <a:solidFill>
+                        <a:schemeClr val="tx1"/>
+                      </a:solidFill>
+                      <a:prstDash val="solid"/>
+                      <a:round/>
+                      <a:headEnd type="none" w="med" len="med"/>
+                      <a:tailEnd type="none" w="med" len="med"/>
+                    </a:lnR>
+                    <a:lnT w="12700" cap="flat" cmpd="sng" algn="ctr">
+                      <a:solidFill>
+                        <a:schemeClr val="tx1"/>
+                      </a:solidFill>
+                      <a:prstDash val="solid"/>
+                      <a:round/>
+                      <a:headEnd type="none" w="med" len="med"/>
+                      <a:tailEnd type="none" w="med" len="med"/>
+                    </a:lnT>
+                    <a:lnB w="12700" cap="flat" cmpd="sng" algn="ctr">
+                      <a:solidFill>
+                        <a:schemeClr val="tx1"/>
+                      </a:solidFill>
+                      <a:prstDash val="solid"/>
+                      <a:round/>
+                      <a:headEnd type="none" w="med" len="med"/>
+                      <a:tailEnd type="none" w="med" len="med"/>
+                    </a:lnB>
+                    <a:noFill/>
+                  </a:tcPr>
+                </a:tc>
+                <a:extLst>
+                  <a:ext uri="{0D108BD9-81ED-4DB2-BD59-A6C34878D82A}">
+                    <a16:rowId xmlns:a16="http://schemas.microsoft.com/office/drawing/2014/main" val="668417174"/>
+                  </a:ext>
+                </a:extLst>
+              </a:tr>
+              <a:tr h="0">
+                <a:tc>
+                  <a:txBody>
+                    <a:bodyPr/>
+                    <a:lstStyle/>
+                    <a:p>
+                      <a:pPr>
+                        <a:buNone/>
+                      </a:pPr>
+                      <a:r>
+                        <a:rPr lang="en-US" sz="1100"/>
+                        <a:t>PHP-FPM (backend)</a:t>
+                      </a:r>
+                    </a:p>
+                  </a:txBody>
+                  <a:tcPr anchor="ctr">
+                    <a:lnL w="12700" cap="flat" cmpd="sng" algn="ctr">
+                      <a:solidFill>
+                        <a:schemeClr val="tx1"/>
+                      </a:solidFill>
+                      <a:prstDash val="solid"/>
+                      <a:round/>
+                      <a:headEnd type="none" w="med" len="med"/>
+                      <a:tailEnd type="none" w="med" len="med"/>
+                    </a:lnL>
+                    <a:lnR w="12700" cap="flat" cmpd="sng" algn="ctr">
+                      <a:solidFill>
+                        <a:schemeClr val="tx1"/>
+                      </a:solidFill>
+                      <a:prstDash val="solid"/>
+                      <a:round/>
+                      <a:headEnd type="none" w="med" len="med"/>
+                      <a:tailEnd type="none" w="med" len="med"/>
+                    </a:lnR>
+                    <a:lnT w="12700" cap="flat" cmpd="sng" algn="ctr">
+                      <a:solidFill>
+                        <a:schemeClr val="tx1"/>
+                      </a:solidFill>
+                      <a:prstDash val="solid"/>
+                      <a:round/>
+                      <a:headEnd type="none" w="med" len="med"/>
+                      <a:tailEnd type="none" w="med" len="med"/>
+                    </a:lnT>
+                    <a:lnB w="12700" cap="flat" cmpd="sng" algn="ctr">
+                      <a:solidFill>
+                        <a:schemeClr val="tx1"/>
+                      </a:solidFill>
+                      <a:prstDash val="solid"/>
+                      <a:round/>
+                      <a:headEnd type="none" w="med" len="med"/>
+                      <a:tailEnd type="none" w="med" len="med"/>
+                    </a:lnB>
+                    <a:noFill/>
+                  </a:tcPr>
+                </a:tc>
+                <a:tc>
+                  <a:txBody>
+                    <a:bodyPr/>
+                    <a:lstStyle/>
+                    <a:p>
+                      <a:pPr>
+                        <a:buNone/>
+                      </a:pPr>
+                      <a:r>
+                        <a:rPr lang="en-US" sz="1100">
+                          <a:latin typeface="Courier New" panose="02070309020205020404" pitchFamily="49" charset="0"/>
+                        </a:rPr>
+                        <a:t>php:8.2-fpm</a:t>
+                      </a:r>
+                      <a:endParaRPr lang="en-US" sz="1100"/>
+                    </a:p>
+                  </a:txBody>
+                  <a:tcPr anchor="ctr">
+                    <a:lnL w="12700" cap="flat" cmpd="sng" algn="ctr">
+                      <a:solidFill>
+                        <a:schemeClr val="tx1"/>
+                      </a:solidFill>
+                      <a:prstDash val="solid"/>
+                      <a:round/>
+                      <a:headEnd type="none" w="med" len="med"/>
+                      <a:tailEnd type="none" w="med" len="med"/>
+                    </a:lnL>
+                    <a:lnR w="12700" cap="flat" cmpd="sng" algn="ctr">
+                      <a:solidFill>
+                        <a:schemeClr val="tx1"/>
+                      </a:solidFill>
+                      <a:prstDash val="solid"/>
+                      <a:round/>
+                      <a:headEnd type="none" w="med" len="med"/>
+                      <a:tailEnd type="none" w="med" len="med"/>
+                    </a:lnR>
+                    <a:lnT w="12700" cap="flat" cmpd="sng" algn="ctr">
+                      <a:solidFill>
+                        <a:schemeClr val="tx1"/>
+                      </a:solidFill>
+                      <a:prstDash val="solid"/>
+                      <a:round/>
+                      <a:headEnd type="none" w="med" len="med"/>
+                      <a:tailEnd type="none" w="med" len="med"/>
+                    </a:lnT>
+                    <a:lnB w="12700" cap="flat" cmpd="sng" algn="ctr">
+                      <a:solidFill>
+                        <a:schemeClr val="tx1"/>
+                      </a:solidFill>
+                      <a:prstDash val="solid"/>
+                      <a:round/>
+                      <a:headEnd type="none" w="med" len="med"/>
+                      <a:tailEnd type="none" w="med" len="med"/>
+                    </a:lnB>
+                    <a:noFill/>
+                  </a:tcPr>
+                </a:tc>
+                <a:tc>
+                  <a:txBody>
+                    <a:bodyPr/>
+                    <a:lstStyle/>
+                    <a:p>
+                      <a:pPr>
+                        <a:buNone/>
+                      </a:pPr>
+                      <a:r>
+                        <a:rPr lang="en-US" sz="1100"/>
+                        <a:t>9000</a:t>
+                      </a:r>
+                    </a:p>
+                  </a:txBody>
+                  <a:tcPr anchor="ctr">
+                    <a:lnL w="12700" cap="flat" cmpd="sng" algn="ctr">
+                      <a:solidFill>
+                        <a:schemeClr val="tx1"/>
+                      </a:solidFill>
+                      <a:prstDash val="solid"/>
+                      <a:round/>
+                      <a:headEnd type="none" w="med" len="med"/>
+                      <a:tailEnd type="none" w="med" len="med"/>
+                    </a:lnL>
+                    <a:lnR w="12700" cap="flat" cmpd="sng" algn="ctr">
+                      <a:solidFill>
+                        <a:schemeClr val="tx1"/>
+                      </a:solidFill>
+                      <a:prstDash val="solid"/>
+                      <a:round/>
+                      <a:headEnd type="none" w="med" len="med"/>
+                      <a:tailEnd type="none" w="med" len="med"/>
+                    </a:lnR>
+                    <a:lnT w="12700" cap="flat" cmpd="sng" algn="ctr">
+                      <a:solidFill>
+                        <a:schemeClr val="tx1"/>
+                      </a:solidFill>
+                      <a:prstDash val="solid"/>
+                      <a:round/>
+                      <a:headEnd type="none" w="med" len="med"/>
+                      <a:tailEnd type="none" w="med" len="med"/>
+                    </a:lnT>
+                    <a:lnB w="12700" cap="flat" cmpd="sng" algn="ctr">
+                      <a:solidFill>
+                        <a:schemeClr val="tx1"/>
+                      </a:solidFill>
+                      <a:prstDash val="solid"/>
+                      <a:round/>
+                      <a:headEnd type="none" w="med" len="med"/>
+                      <a:tailEnd type="none" w="med" len="med"/>
+                    </a:lnB>
+                    <a:noFill/>
+                  </a:tcPr>
+                </a:tc>
+                <a:extLst>
+                  <a:ext uri="{0D108BD9-81ED-4DB2-BD59-A6C34878D82A}">
+                    <a16:rowId xmlns:a16="http://schemas.microsoft.com/office/drawing/2014/main" val="314574851"/>
+                  </a:ext>
+                </a:extLst>
+              </a:tr>
+              <a:tr h="0">
+                <a:tc>
+                  <a:txBody>
+                    <a:bodyPr/>
+                    <a:lstStyle/>
+                    <a:p>
+                      <a:pPr>
+                        <a:buNone/>
+                      </a:pPr>
+                      <a:r>
+                        <a:rPr lang="en-US" sz="1100"/>
+                        <a:t>MySQL (database)</a:t>
+                      </a:r>
+                    </a:p>
+                  </a:txBody>
+                  <a:tcPr anchor="ctr">
+                    <a:lnL w="12700" cap="flat" cmpd="sng" algn="ctr">
+                      <a:solidFill>
+                        <a:schemeClr val="tx1"/>
+                      </a:solidFill>
+                      <a:prstDash val="solid"/>
+                      <a:round/>
+                      <a:headEnd type="none" w="med" len="med"/>
+                      <a:tailEnd type="none" w="med" len="med"/>
+                    </a:lnL>
+                    <a:lnR w="12700" cap="flat" cmpd="sng" algn="ctr">
+                      <a:solidFill>
+                        <a:schemeClr val="tx1"/>
+                      </a:solidFill>
+                      <a:prstDash val="solid"/>
+                      <a:round/>
+                      <a:headEnd type="none" w="med" len="med"/>
+                      <a:tailEnd type="none" w="med" len="med"/>
+                    </a:lnR>
+                    <a:lnT w="12700" cap="flat" cmpd="sng" algn="ctr">
+                      <a:solidFill>
+                        <a:schemeClr val="tx1"/>
+                      </a:solidFill>
+                      <a:prstDash val="solid"/>
+                      <a:round/>
+                      <a:headEnd type="none" w="med" len="med"/>
+                      <a:tailEnd type="none" w="med" len="med"/>
+                    </a:lnT>
+                    <a:lnB w="12700" cap="flat" cmpd="sng" algn="ctr">
+                      <a:solidFill>
+                        <a:schemeClr val="tx1"/>
+                      </a:solidFill>
+                      <a:prstDash val="solid"/>
+                      <a:round/>
+                      <a:headEnd type="none" w="med" len="med"/>
+                      <a:tailEnd type="none" w="med" len="med"/>
+                    </a:lnB>
+                    <a:noFill/>
+                  </a:tcPr>
+                </a:tc>
+                <a:tc>
+                  <a:txBody>
+                    <a:bodyPr/>
+                    <a:lstStyle/>
+                    <a:p>
+                      <a:pPr>
+                        <a:buNone/>
+                      </a:pPr>
+                      <a:r>
+                        <a:rPr lang="en-US" sz="1100">
+                          <a:latin typeface="Courier New" panose="02070309020205020404" pitchFamily="49" charset="0"/>
+                        </a:rPr>
+                        <a:t>mysql:8.0</a:t>
+                      </a:r>
+                      <a:endParaRPr lang="en-US" sz="1100"/>
+                    </a:p>
+                  </a:txBody>
+                  <a:tcPr anchor="ctr">
+                    <a:lnL w="12700" cap="flat" cmpd="sng" algn="ctr">
+                      <a:solidFill>
+                        <a:schemeClr val="tx1"/>
+                      </a:solidFill>
+                      <a:prstDash val="solid"/>
+                      <a:round/>
+                      <a:headEnd type="none" w="med" len="med"/>
+                      <a:tailEnd type="none" w="med" len="med"/>
+                    </a:lnL>
+                    <a:lnR w="12700" cap="flat" cmpd="sng" algn="ctr">
+                      <a:solidFill>
+                        <a:schemeClr val="tx1"/>
+                      </a:solidFill>
+                      <a:prstDash val="solid"/>
+                      <a:round/>
+                      <a:headEnd type="none" w="med" len="med"/>
+                      <a:tailEnd type="none" w="med" len="med"/>
+                    </a:lnR>
+                    <a:lnT w="12700" cap="flat" cmpd="sng" algn="ctr">
+                      <a:solidFill>
+                        <a:schemeClr val="tx1"/>
+                      </a:solidFill>
+                      <a:prstDash val="solid"/>
+                      <a:round/>
+                      <a:headEnd type="none" w="med" len="med"/>
+                      <a:tailEnd type="none" w="med" len="med"/>
+                    </a:lnT>
+                    <a:lnB w="12700" cap="flat" cmpd="sng" algn="ctr">
+                      <a:solidFill>
+                        <a:schemeClr val="tx1"/>
+                      </a:solidFill>
+                      <a:prstDash val="solid"/>
+                      <a:round/>
+                      <a:headEnd type="none" w="med" len="med"/>
+                      <a:tailEnd type="none" w="med" len="med"/>
+                    </a:lnB>
+                    <a:noFill/>
+                  </a:tcPr>
+                </a:tc>
+                <a:tc>
+                  <a:txBody>
+                    <a:bodyPr/>
+                    <a:lstStyle/>
+                    <a:p>
+                      <a:pPr>
+                        <a:buNone/>
+                      </a:pPr>
+                      <a:r>
+                        <a:rPr lang="en-US" sz="1100"/>
+                        <a:t>3306</a:t>
+                      </a:r>
+                    </a:p>
+                  </a:txBody>
+                  <a:tcPr anchor="ctr">
+                    <a:lnL w="12700" cap="flat" cmpd="sng" algn="ctr">
+                      <a:solidFill>
+                        <a:schemeClr val="tx1"/>
+                      </a:solidFill>
+                      <a:prstDash val="solid"/>
+                      <a:round/>
+                      <a:headEnd type="none" w="med" len="med"/>
+                      <a:tailEnd type="none" w="med" len="med"/>
+                    </a:lnL>
+                    <a:lnR w="12700" cap="flat" cmpd="sng" algn="ctr">
+                      <a:solidFill>
+                        <a:schemeClr val="tx1"/>
+                      </a:solidFill>
+                      <a:prstDash val="solid"/>
+                      <a:round/>
+                      <a:headEnd type="none" w="med" len="med"/>
+                      <a:tailEnd type="none" w="med" len="med"/>
+                    </a:lnR>
+                    <a:lnT w="12700" cap="flat" cmpd="sng" algn="ctr">
+                      <a:solidFill>
+                        <a:schemeClr val="tx1"/>
+                      </a:solidFill>
+                      <a:prstDash val="solid"/>
+                      <a:round/>
+                      <a:headEnd type="none" w="med" len="med"/>
+                      <a:tailEnd type="none" w="med" len="med"/>
+                    </a:lnT>
+                    <a:lnB w="12700" cap="flat" cmpd="sng" algn="ctr">
+                      <a:solidFill>
+                        <a:schemeClr val="tx1"/>
+                      </a:solidFill>
+                      <a:prstDash val="solid"/>
+                      <a:round/>
+                      <a:headEnd type="none" w="med" len="med"/>
+                      <a:tailEnd type="none" w="med" len="med"/>
+                    </a:lnB>
+                    <a:noFill/>
+                  </a:tcPr>
+                </a:tc>
+                <a:extLst>
+                  <a:ext uri="{0D108BD9-81ED-4DB2-BD59-A6C34878D82A}">
+                    <a16:rowId xmlns:a16="http://schemas.microsoft.com/office/drawing/2014/main" val="3042282449"/>
+                  </a:ext>
+                </a:extLst>
+              </a:tr>
+            </a:tbl>
+          </a:graphicData>
+        </a:graphic>
+      </p:graphicFrame>
+      <p:pic>
+        <p:nvPicPr>
+          <p:cNvPr id="4" name="Picture 3">
+            <a:extLst>
+              <a:ext uri="{FF2B5EF4-FFF2-40B4-BE49-F238E27FC236}">
+                <a16:creationId xmlns:a16="http://schemas.microsoft.com/office/drawing/2014/main" id="{49D69B8D-AAC0-4A90-FE9D-9B13D3D87444}"/>
+              </a:ext>
+            </a:extLst>
+          </p:cNvPr>
+          <p:cNvPicPr>
+            <a:picLocks noChangeAspect="1"/>
+          </p:cNvPicPr>
+          <p:nvPr/>
+        </p:nvPicPr>
+        <p:blipFill>
+          <a:blip r:embed="rId2"/>
+          <a:stretch>
+            <a:fillRect/>
+          </a:stretch>
+        </p:blipFill>
+        <p:spPr>
+          <a:xfrm>
+            <a:off x="0" y="2932466"/>
+            <a:ext cx="1914792" cy="781159"/>
+          </a:xfrm>
+          <a:prstGeom prst="rect">
+            <a:avLst/>
+          </a:prstGeom>
+        </p:spPr>
+      </p:pic>
+      <p:pic>
+        <p:nvPicPr>
+          <p:cNvPr id="6" name="Picture 5">
+            <a:extLst>
+              <a:ext uri="{FF2B5EF4-FFF2-40B4-BE49-F238E27FC236}">
+                <a16:creationId xmlns:a16="http://schemas.microsoft.com/office/drawing/2014/main" id="{D24ED1C4-8D46-5895-4AD3-26F20AAE7849}"/>
+              </a:ext>
+            </a:extLst>
+          </p:cNvPr>
+          <p:cNvPicPr>
+            <a:picLocks noChangeAspect="1"/>
+          </p:cNvPicPr>
+          <p:nvPr/>
+        </p:nvPicPr>
+        <p:blipFill>
+          <a:blip r:embed="rId3"/>
+          <a:stretch>
+            <a:fillRect/>
+          </a:stretch>
+        </p:blipFill>
+        <p:spPr>
+          <a:xfrm>
+            <a:off x="0" y="4106428"/>
+            <a:ext cx="1705213" cy="504895"/>
+          </a:xfrm>
+          <a:prstGeom prst="rect">
+            <a:avLst/>
+          </a:prstGeom>
+        </p:spPr>
+      </p:pic>
+      <p:pic>
+        <p:nvPicPr>
+          <p:cNvPr id="9" name="Picture 8">
+            <a:extLst>
+              <a:ext uri="{FF2B5EF4-FFF2-40B4-BE49-F238E27FC236}">
+                <a16:creationId xmlns:a16="http://schemas.microsoft.com/office/drawing/2014/main" id="{021E39BA-4C11-4D9F-4FBA-3000373FD57E}"/>
+              </a:ext>
+            </a:extLst>
+          </p:cNvPr>
+          <p:cNvPicPr>
+            <a:picLocks noChangeAspect="1"/>
+          </p:cNvPicPr>
+          <p:nvPr/>
+        </p:nvPicPr>
+        <p:blipFill>
+          <a:blip r:embed="rId4"/>
+          <a:stretch>
+            <a:fillRect/>
+          </a:stretch>
+        </p:blipFill>
+        <p:spPr>
+          <a:xfrm>
+            <a:off x="9537290" y="0"/>
+            <a:ext cx="2654710" cy="6858000"/>
+          </a:xfrm>
+          <a:prstGeom prst="rect">
+            <a:avLst/>
+          </a:prstGeom>
+        </p:spPr>
+      </p:pic>
+    </p:spTree>
+    <p:extLst>
+      <p:ext uri="{BB962C8B-B14F-4D97-AF65-F5344CB8AC3E}">
+        <p14:creationId xmlns:p14="http://schemas.microsoft.com/office/powerpoint/2010/main" val="3172718396"/>
+      </p:ext>
+    </p:extLst>
+  </p:cSld>
+  <p:clrMapOvr>
+    <a:masterClrMapping/>
+  </p:clrMapOvr>
+</p:sld>
+</file>
+
+<file path=ppt/slides/slide5.xml><?xml version="1.0" encoding="utf-8"?>
+<p:sld xmlns:a="http://schemas.openxmlformats.org/drawingml/2006/main" xmlns:r="http://schemas.openxmlformats.org/officeDocument/2006/relationships" xmlns:p="http://schemas.openxmlformats.org/presentationml/2006/main">
+  <p:cSld>
+    <p:spTree>
+      <p:nvGrpSpPr>
+        <p:cNvPr id="1" name="">
+          <a:extLst>
+            <a:ext uri="{FF2B5EF4-FFF2-40B4-BE49-F238E27FC236}">
+              <a16:creationId xmlns:a16="http://schemas.microsoft.com/office/drawing/2014/main" id="{318E1199-3F09-F932-371F-15F7E09246BA}"/>
+            </a:ext>
+          </a:extLst>
+        </p:cNvPr>
+        <p:cNvGrpSpPr/>
+        <p:nvPr/>
+      </p:nvGrpSpPr>
+      <p:grpSpPr>
+        <a:xfrm>
+          <a:off x="0" y="0"/>
+          <a:ext cx="0" cy="0"/>
+          <a:chOff x="0" y="0"/>
+          <a:chExt cx="0" cy="0"/>
+        </a:xfrm>
+      </p:grpSpPr>
+      <p:sp>
+        <p:nvSpPr>
+          <p:cNvPr id="7" name="TextBox 6">
+            <a:extLst>
+              <a:ext uri="{FF2B5EF4-FFF2-40B4-BE49-F238E27FC236}">
+                <a16:creationId xmlns:a16="http://schemas.microsoft.com/office/drawing/2014/main" id="{C0F87EC5-B07B-A13D-3451-E8057D6B0E52}"/>
+              </a:ext>
+            </a:extLst>
+          </p:cNvPr>
+          <p:cNvSpPr txBox="1"/>
+          <p:nvPr/>
+        </p:nvSpPr>
+        <p:spPr>
+          <a:xfrm>
+            <a:off x="203200" y="244826"/>
+            <a:ext cx="11822545" cy="3785652"/>
+          </a:xfrm>
+          <a:prstGeom prst="rect">
+            <a:avLst/>
+          </a:prstGeom>
+          <a:noFill/>
+        </p:spPr>
+        <p:txBody>
+          <a:bodyPr wrap="square">
+            <a:spAutoFit/>
+          </a:bodyPr>
+          <a:lstStyle/>
+          <a:p>
+            <a:r>
+              <a:rPr lang="az-Latn-AZ" sz="1200"/>
+              <a:t>Docker Compose-un əsas əmrləri:</a:t>
+            </a:r>
+          </a:p>
+          <a:p>
+            <a:endParaRPr lang="az-Latn-AZ" sz="1200"/>
+          </a:p>
+          <a:p>
+            <a:endParaRPr lang="az-Latn-AZ" sz="1200"/>
+          </a:p>
+          <a:p>
+            <a:endParaRPr lang="az-Latn-AZ" sz="1200"/>
+          </a:p>
+          <a:p>
+            <a:endParaRPr lang="az-Latn-AZ" sz="1200"/>
+          </a:p>
+          <a:p>
+            <a:endParaRPr lang="az-Latn-AZ" sz="1200"/>
+          </a:p>
+          <a:p>
+            <a:endParaRPr lang="az-Latn-AZ" sz="1200"/>
+          </a:p>
+          <a:p>
+            <a:endParaRPr lang="az-Latn-AZ" sz="1200"/>
+          </a:p>
+          <a:p>
+            <a:endParaRPr lang="az-Latn-AZ" sz="1200"/>
+          </a:p>
+          <a:p>
+            <a:endParaRPr lang="az-Latn-AZ" sz="1200"/>
+          </a:p>
+          <a:p>
+            <a:endParaRPr lang="az-Latn-AZ" sz="1200"/>
+          </a:p>
+          <a:p>
+            <a:endParaRPr lang="az-Latn-AZ" sz="1200"/>
+          </a:p>
+          <a:p>
+            <a:endParaRPr lang="az-Latn-AZ" sz="1200"/>
+          </a:p>
+          <a:p>
+            <a:endParaRPr lang="az-Latn-AZ" sz="1200"/>
+          </a:p>
+          <a:p>
+            <a:endParaRPr lang="az-Latn-AZ" sz="1200"/>
+          </a:p>
+          <a:p>
+            <a:endParaRPr lang="az-Latn-AZ" sz="1200"/>
+          </a:p>
+          <a:p>
+            <a:endParaRPr lang="az-Latn-AZ" sz="1200"/>
+          </a:p>
+          <a:p>
+            <a:endParaRPr lang="az-Latn-AZ" sz="1200"/>
+          </a:p>
+          <a:p>
+            <a:endParaRPr lang="az-Latn-AZ" sz="1200"/>
+          </a:p>
+          <a:p>
+            <a:r>
+              <a:rPr lang="en-US" sz="1200"/>
+              <a:t>Docker Compose və Docker arasında fərq:</a:t>
+            </a:r>
+          </a:p>
+        </p:txBody>
+      </p:sp>
+      <p:graphicFrame>
+        <p:nvGraphicFramePr>
+          <p:cNvPr id="2" name="Table 1">
+            <a:extLst>
+              <a:ext uri="{FF2B5EF4-FFF2-40B4-BE49-F238E27FC236}">
+                <a16:creationId xmlns:a16="http://schemas.microsoft.com/office/drawing/2014/main" id="{3F16E812-71E9-2392-36FD-E42506103C2E}"/>
+              </a:ext>
+            </a:extLst>
+          </p:cNvPr>
+          <p:cNvGraphicFramePr>
+            <a:graphicFrameLocks noGrp="1"/>
+          </p:cNvGraphicFramePr>
+          <p:nvPr>
+            <p:extLst>
+              <p:ext uri="{D42A27DB-BD31-4B8C-83A1-F6EECF244321}">
+                <p14:modId xmlns:p14="http://schemas.microsoft.com/office/powerpoint/2010/main" val="46075998"/>
+              </p:ext>
+            </p:extLst>
+          </p:nvPr>
+        </p:nvGraphicFramePr>
+        <p:xfrm>
+          <a:off x="203200" y="652189"/>
+          <a:ext cx="8496618" cy="2560320"/>
+        </p:xfrm>
+        <a:graphic>
+          <a:graphicData uri="http://schemas.openxmlformats.org/drawingml/2006/table">
+            <a:tbl>
+              <a:tblPr/>
+              <a:tblGrid>
+                <a:gridCol w="3238818">
+                  <a:extLst>
+                    <a:ext uri="{9D8B030D-6E8A-4147-A177-3AD203B41FA5}">
+                      <a16:colId xmlns:a16="http://schemas.microsoft.com/office/drawing/2014/main" val="4061029646"/>
+                    </a:ext>
+                  </a:extLst>
+                </a:gridCol>
+                <a:gridCol w="5257800">
+                  <a:extLst>
+                    <a:ext uri="{9D8B030D-6E8A-4147-A177-3AD203B41FA5}">
+                      <a16:colId xmlns:a16="http://schemas.microsoft.com/office/drawing/2014/main" val="761388327"/>
+                    </a:ext>
+                  </a:extLst>
+                </a:gridCol>
+              </a:tblGrid>
+              <a:tr h="0">
                 <a:tc>
                   <a:txBody>
                     <a:bodyPr/>
@@ -7819,7 +9283,7 @@
                       </a:pPr>
                       <a:r>
                         <a:rPr lang="en-US" b="1"/>
-                        <a:t>Xidmət</a:t>
+                        <a:t>Əmr</a:t>
                       </a:r>
                     </a:p>
                   </a:txBody>
@@ -7875,7 +9339,833 @@
                       </a:pPr>
                       <a:r>
                         <a:rPr lang="en-US" b="1"/>
-                        <a:t>Container Image</a:t>
+                        <a:t>İzah</a:t>
+                      </a:r>
+                    </a:p>
+                  </a:txBody>
+                  <a:tcPr anchor="ctr">
+                    <a:lnL w="12700" cap="flat" cmpd="sng" algn="ctr">
+                      <a:solidFill>
+                        <a:schemeClr val="tx1"/>
+                      </a:solidFill>
+                      <a:prstDash val="solid"/>
+                      <a:round/>
+                      <a:headEnd type="none" w="med" len="med"/>
+                      <a:tailEnd type="none" w="med" len="med"/>
+                    </a:lnL>
+                    <a:lnR w="12700" cap="flat" cmpd="sng" algn="ctr">
+                      <a:solidFill>
+                        <a:schemeClr val="tx1"/>
+                      </a:solidFill>
+                      <a:prstDash val="solid"/>
+                      <a:round/>
+                      <a:headEnd type="none" w="med" len="med"/>
+                      <a:tailEnd type="none" w="med" len="med"/>
+                    </a:lnR>
+                    <a:lnT w="12700" cap="flat" cmpd="sng" algn="ctr">
+                      <a:solidFill>
+                        <a:schemeClr val="tx1"/>
+                      </a:solidFill>
+                      <a:prstDash val="solid"/>
+                      <a:round/>
+                      <a:headEnd type="none" w="med" len="med"/>
+                      <a:tailEnd type="none" w="med" len="med"/>
+                    </a:lnT>
+                    <a:lnB w="12700" cap="flat" cmpd="sng" algn="ctr">
+                      <a:solidFill>
+                        <a:schemeClr val="tx1"/>
+                      </a:solidFill>
+                      <a:prstDash val="solid"/>
+                      <a:round/>
+                      <a:headEnd type="none" w="med" len="med"/>
+                      <a:tailEnd type="none" w="med" len="med"/>
+                    </a:lnB>
+                    <a:solidFill>
+                      <a:schemeClr val="accent2"/>
+                    </a:solidFill>
+                  </a:tcPr>
+                </a:tc>
+                <a:extLst>
+                  <a:ext uri="{0D108BD9-81ED-4DB2-BD59-A6C34878D82A}">
+                    <a16:rowId xmlns:a16="http://schemas.microsoft.com/office/drawing/2014/main" val="855062960"/>
+                  </a:ext>
+                </a:extLst>
+              </a:tr>
+              <a:tr h="0">
+                <a:tc>
+                  <a:txBody>
+                    <a:bodyPr/>
+                    <a:lstStyle/>
+                    <a:p>
+                      <a:pPr>
+                        <a:buNone/>
+                      </a:pPr>
+                      <a:r>
+                        <a:rPr lang="en-US">
+                          <a:latin typeface="Courier New" panose="02070309020205020404" pitchFamily="49" charset="0"/>
+                        </a:rPr>
+                        <a:t>docker-compose up</a:t>
+                      </a:r>
+                      <a:endParaRPr lang="en-US"/>
+                    </a:p>
+                  </a:txBody>
+                  <a:tcPr anchor="ctr">
+                    <a:lnL w="12700" cap="flat" cmpd="sng" algn="ctr">
+                      <a:solidFill>
+                        <a:schemeClr val="tx1"/>
+                      </a:solidFill>
+                      <a:prstDash val="solid"/>
+                      <a:round/>
+                      <a:headEnd type="none" w="med" len="med"/>
+                      <a:tailEnd type="none" w="med" len="med"/>
+                    </a:lnL>
+                    <a:lnR w="12700" cap="flat" cmpd="sng" algn="ctr">
+                      <a:solidFill>
+                        <a:schemeClr val="tx1"/>
+                      </a:solidFill>
+                      <a:prstDash val="solid"/>
+                      <a:round/>
+                      <a:headEnd type="none" w="med" len="med"/>
+                      <a:tailEnd type="none" w="med" len="med"/>
+                    </a:lnR>
+                    <a:lnT w="12700" cap="flat" cmpd="sng" algn="ctr">
+                      <a:solidFill>
+                        <a:schemeClr val="tx1"/>
+                      </a:solidFill>
+                      <a:prstDash val="solid"/>
+                      <a:round/>
+                      <a:headEnd type="none" w="med" len="med"/>
+                      <a:tailEnd type="none" w="med" len="med"/>
+                    </a:lnT>
+                    <a:lnB w="12700" cap="flat" cmpd="sng" algn="ctr">
+                      <a:solidFill>
+                        <a:schemeClr val="tx1"/>
+                      </a:solidFill>
+                      <a:prstDash val="solid"/>
+                      <a:round/>
+                      <a:headEnd type="none" w="med" len="med"/>
+                      <a:tailEnd type="none" w="med" len="med"/>
+                    </a:lnB>
+                    <a:noFill/>
+                  </a:tcPr>
+                </a:tc>
+                <a:tc>
+                  <a:txBody>
+                    <a:bodyPr/>
+                    <a:lstStyle/>
+                    <a:p>
+                      <a:pPr>
+                        <a:buNone/>
+                      </a:pPr>
+                      <a:r>
+                        <a:rPr lang="en-US"/>
+                        <a:t>YAML-da yazılan bütün konteynerləri işə salır</a:t>
+                      </a:r>
+                    </a:p>
+                  </a:txBody>
+                  <a:tcPr anchor="ctr">
+                    <a:lnL w="12700" cap="flat" cmpd="sng" algn="ctr">
+                      <a:solidFill>
+                        <a:schemeClr val="tx1"/>
+                      </a:solidFill>
+                      <a:prstDash val="solid"/>
+                      <a:round/>
+                      <a:headEnd type="none" w="med" len="med"/>
+                      <a:tailEnd type="none" w="med" len="med"/>
+                    </a:lnL>
+                    <a:lnR w="12700" cap="flat" cmpd="sng" algn="ctr">
+                      <a:solidFill>
+                        <a:schemeClr val="tx1"/>
+                      </a:solidFill>
+                      <a:prstDash val="solid"/>
+                      <a:round/>
+                      <a:headEnd type="none" w="med" len="med"/>
+                      <a:tailEnd type="none" w="med" len="med"/>
+                    </a:lnR>
+                    <a:lnT w="12700" cap="flat" cmpd="sng" algn="ctr">
+                      <a:solidFill>
+                        <a:schemeClr val="tx1"/>
+                      </a:solidFill>
+                      <a:prstDash val="solid"/>
+                      <a:round/>
+                      <a:headEnd type="none" w="med" len="med"/>
+                      <a:tailEnd type="none" w="med" len="med"/>
+                    </a:lnT>
+                    <a:lnB w="12700" cap="flat" cmpd="sng" algn="ctr">
+                      <a:solidFill>
+                        <a:schemeClr val="tx1"/>
+                      </a:solidFill>
+                      <a:prstDash val="solid"/>
+                      <a:round/>
+                      <a:headEnd type="none" w="med" len="med"/>
+                      <a:tailEnd type="none" w="med" len="med"/>
+                    </a:lnB>
+                    <a:noFill/>
+                  </a:tcPr>
+                </a:tc>
+                <a:extLst>
+                  <a:ext uri="{0D108BD9-81ED-4DB2-BD59-A6C34878D82A}">
+                    <a16:rowId xmlns:a16="http://schemas.microsoft.com/office/drawing/2014/main" val="657892419"/>
+                  </a:ext>
+                </a:extLst>
+              </a:tr>
+              <a:tr h="0">
+                <a:tc>
+                  <a:txBody>
+                    <a:bodyPr/>
+                    <a:lstStyle/>
+                    <a:p>
+                      <a:pPr>
+                        <a:buNone/>
+                      </a:pPr>
+                      <a:r>
+                        <a:rPr lang="en-US">
+                          <a:latin typeface="Courier New" panose="02070309020205020404" pitchFamily="49" charset="0"/>
+                        </a:rPr>
+                        <a:t>docker-compose up -d</a:t>
+                      </a:r>
+                      <a:endParaRPr lang="en-US"/>
+                    </a:p>
+                  </a:txBody>
+                  <a:tcPr anchor="ctr">
+                    <a:lnL w="12700" cap="flat" cmpd="sng" algn="ctr">
+                      <a:solidFill>
+                        <a:schemeClr val="tx1"/>
+                      </a:solidFill>
+                      <a:prstDash val="solid"/>
+                      <a:round/>
+                      <a:headEnd type="none" w="med" len="med"/>
+                      <a:tailEnd type="none" w="med" len="med"/>
+                    </a:lnL>
+                    <a:lnR w="12700" cap="flat" cmpd="sng" algn="ctr">
+                      <a:solidFill>
+                        <a:schemeClr val="tx1"/>
+                      </a:solidFill>
+                      <a:prstDash val="solid"/>
+                      <a:round/>
+                      <a:headEnd type="none" w="med" len="med"/>
+                      <a:tailEnd type="none" w="med" len="med"/>
+                    </a:lnR>
+                    <a:lnT w="12700" cap="flat" cmpd="sng" algn="ctr">
+                      <a:solidFill>
+                        <a:schemeClr val="tx1"/>
+                      </a:solidFill>
+                      <a:prstDash val="solid"/>
+                      <a:round/>
+                      <a:headEnd type="none" w="med" len="med"/>
+                      <a:tailEnd type="none" w="med" len="med"/>
+                    </a:lnT>
+                    <a:lnB w="12700" cap="flat" cmpd="sng" algn="ctr">
+                      <a:solidFill>
+                        <a:schemeClr val="tx1"/>
+                      </a:solidFill>
+                      <a:prstDash val="solid"/>
+                      <a:round/>
+                      <a:headEnd type="none" w="med" len="med"/>
+                      <a:tailEnd type="none" w="med" len="med"/>
+                    </a:lnB>
+                    <a:noFill/>
+                  </a:tcPr>
+                </a:tc>
+                <a:tc>
+                  <a:txBody>
+                    <a:bodyPr/>
+                    <a:lstStyle/>
+                    <a:p>
+                      <a:pPr>
+                        <a:buNone/>
+                      </a:pPr>
+                      <a:r>
+                        <a:rPr lang="en-US"/>
+                        <a:t>Arxa planda (detached) işə salır</a:t>
+                      </a:r>
+                    </a:p>
+                  </a:txBody>
+                  <a:tcPr anchor="ctr">
+                    <a:lnL w="12700" cap="flat" cmpd="sng" algn="ctr">
+                      <a:solidFill>
+                        <a:schemeClr val="tx1"/>
+                      </a:solidFill>
+                      <a:prstDash val="solid"/>
+                      <a:round/>
+                      <a:headEnd type="none" w="med" len="med"/>
+                      <a:tailEnd type="none" w="med" len="med"/>
+                    </a:lnL>
+                    <a:lnR w="12700" cap="flat" cmpd="sng" algn="ctr">
+                      <a:solidFill>
+                        <a:schemeClr val="tx1"/>
+                      </a:solidFill>
+                      <a:prstDash val="solid"/>
+                      <a:round/>
+                      <a:headEnd type="none" w="med" len="med"/>
+                      <a:tailEnd type="none" w="med" len="med"/>
+                    </a:lnR>
+                    <a:lnT w="12700" cap="flat" cmpd="sng" algn="ctr">
+                      <a:solidFill>
+                        <a:schemeClr val="tx1"/>
+                      </a:solidFill>
+                      <a:prstDash val="solid"/>
+                      <a:round/>
+                      <a:headEnd type="none" w="med" len="med"/>
+                      <a:tailEnd type="none" w="med" len="med"/>
+                    </a:lnT>
+                    <a:lnB w="12700" cap="flat" cmpd="sng" algn="ctr">
+                      <a:solidFill>
+                        <a:schemeClr val="tx1"/>
+                      </a:solidFill>
+                      <a:prstDash val="solid"/>
+                      <a:round/>
+                      <a:headEnd type="none" w="med" len="med"/>
+                      <a:tailEnd type="none" w="med" len="med"/>
+                    </a:lnB>
+                    <a:noFill/>
+                  </a:tcPr>
+                </a:tc>
+                <a:extLst>
+                  <a:ext uri="{0D108BD9-81ED-4DB2-BD59-A6C34878D82A}">
+                    <a16:rowId xmlns:a16="http://schemas.microsoft.com/office/drawing/2014/main" val="2370407211"/>
+                  </a:ext>
+                </a:extLst>
+              </a:tr>
+              <a:tr h="0">
+                <a:tc>
+                  <a:txBody>
+                    <a:bodyPr/>
+                    <a:lstStyle/>
+                    <a:p>
+                      <a:pPr>
+                        <a:buNone/>
+                      </a:pPr>
+                      <a:r>
+                        <a:rPr lang="en-US">
+                          <a:latin typeface="Courier New" panose="02070309020205020404" pitchFamily="49" charset="0"/>
+                        </a:rPr>
+                        <a:t>docker-compose down</a:t>
+                      </a:r>
+                      <a:endParaRPr lang="en-US"/>
+                    </a:p>
+                  </a:txBody>
+                  <a:tcPr anchor="ctr">
+                    <a:lnL w="12700" cap="flat" cmpd="sng" algn="ctr">
+                      <a:solidFill>
+                        <a:schemeClr val="tx1"/>
+                      </a:solidFill>
+                      <a:prstDash val="solid"/>
+                      <a:round/>
+                      <a:headEnd type="none" w="med" len="med"/>
+                      <a:tailEnd type="none" w="med" len="med"/>
+                    </a:lnL>
+                    <a:lnR w="12700" cap="flat" cmpd="sng" algn="ctr">
+                      <a:solidFill>
+                        <a:schemeClr val="tx1"/>
+                      </a:solidFill>
+                      <a:prstDash val="solid"/>
+                      <a:round/>
+                      <a:headEnd type="none" w="med" len="med"/>
+                      <a:tailEnd type="none" w="med" len="med"/>
+                    </a:lnR>
+                    <a:lnT w="12700" cap="flat" cmpd="sng" algn="ctr">
+                      <a:solidFill>
+                        <a:schemeClr val="tx1"/>
+                      </a:solidFill>
+                      <a:prstDash val="solid"/>
+                      <a:round/>
+                      <a:headEnd type="none" w="med" len="med"/>
+                      <a:tailEnd type="none" w="med" len="med"/>
+                    </a:lnT>
+                    <a:lnB w="12700" cap="flat" cmpd="sng" algn="ctr">
+                      <a:solidFill>
+                        <a:schemeClr val="tx1"/>
+                      </a:solidFill>
+                      <a:prstDash val="solid"/>
+                      <a:round/>
+                      <a:headEnd type="none" w="med" len="med"/>
+                      <a:tailEnd type="none" w="med" len="med"/>
+                    </a:lnB>
+                    <a:noFill/>
+                  </a:tcPr>
+                </a:tc>
+                <a:tc>
+                  <a:txBody>
+                    <a:bodyPr/>
+                    <a:lstStyle/>
+                    <a:p>
+                      <a:pPr>
+                        <a:buNone/>
+                      </a:pPr>
+                      <a:r>
+                        <a:rPr lang="en-US"/>
+                        <a:t>Bütün konteynerləri, şəbəkələri, volume-ları dayandırır</a:t>
+                      </a:r>
+                    </a:p>
+                  </a:txBody>
+                  <a:tcPr anchor="ctr">
+                    <a:lnL w="12700" cap="flat" cmpd="sng" algn="ctr">
+                      <a:solidFill>
+                        <a:schemeClr val="tx1"/>
+                      </a:solidFill>
+                      <a:prstDash val="solid"/>
+                      <a:round/>
+                      <a:headEnd type="none" w="med" len="med"/>
+                      <a:tailEnd type="none" w="med" len="med"/>
+                    </a:lnL>
+                    <a:lnR w="12700" cap="flat" cmpd="sng" algn="ctr">
+                      <a:solidFill>
+                        <a:schemeClr val="tx1"/>
+                      </a:solidFill>
+                      <a:prstDash val="solid"/>
+                      <a:round/>
+                      <a:headEnd type="none" w="med" len="med"/>
+                      <a:tailEnd type="none" w="med" len="med"/>
+                    </a:lnR>
+                    <a:lnT w="12700" cap="flat" cmpd="sng" algn="ctr">
+                      <a:solidFill>
+                        <a:schemeClr val="tx1"/>
+                      </a:solidFill>
+                      <a:prstDash val="solid"/>
+                      <a:round/>
+                      <a:headEnd type="none" w="med" len="med"/>
+                      <a:tailEnd type="none" w="med" len="med"/>
+                    </a:lnT>
+                    <a:lnB w="12700" cap="flat" cmpd="sng" algn="ctr">
+                      <a:solidFill>
+                        <a:schemeClr val="tx1"/>
+                      </a:solidFill>
+                      <a:prstDash val="solid"/>
+                      <a:round/>
+                      <a:headEnd type="none" w="med" len="med"/>
+                      <a:tailEnd type="none" w="med" len="med"/>
+                    </a:lnB>
+                    <a:noFill/>
+                  </a:tcPr>
+                </a:tc>
+                <a:extLst>
+                  <a:ext uri="{0D108BD9-81ED-4DB2-BD59-A6C34878D82A}">
+                    <a16:rowId xmlns:a16="http://schemas.microsoft.com/office/drawing/2014/main" val="1955678728"/>
+                  </a:ext>
+                </a:extLst>
+              </a:tr>
+              <a:tr h="0">
+                <a:tc>
+                  <a:txBody>
+                    <a:bodyPr/>
+                    <a:lstStyle/>
+                    <a:p>
+                      <a:pPr>
+                        <a:buNone/>
+                      </a:pPr>
+                      <a:r>
+                        <a:rPr lang="en-US">
+                          <a:latin typeface="Courier New" panose="02070309020205020404" pitchFamily="49" charset="0"/>
+                        </a:rPr>
+                        <a:t>docker-compose ps</a:t>
+                      </a:r>
+                      <a:endParaRPr lang="en-US"/>
+                    </a:p>
+                  </a:txBody>
+                  <a:tcPr anchor="ctr">
+                    <a:lnL w="12700" cap="flat" cmpd="sng" algn="ctr">
+                      <a:solidFill>
+                        <a:schemeClr val="tx1"/>
+                      </a:solidFill>
+                      <a:prstDash val="solid"/>
+                      <a:round/>
+                      <a:headEnd type="none" w="med" len="med"/>
+                      <a:tailEnd type="none" w="med" len="med"/>
+                    </a:lnL>
+                    <a:lnR w="12700" cap="flat" cmpd="sng" algn="ctr">
+                      <a:solidFill>
+                        <a:schemeClr val="tx1"/>
+                      </a:solidFill>
+                      <a:prstDash val="solid"/>
+                      <a:round/>
+                      <a:headEnd type="none" w="med" len="med"/>
+                      <a:tailEnd type="none" w="med" len="med"/>
+                    </a:lnR>
+                    <a:lnT w="12700" cap="flat" cmpd="sng" algn="ctr">
+                      <a:solidFill>
+                        <a:schemeClr val="tx1"/>
+                      </a:solidFill>
+                      <a:prstDash val="solid"/>
+                      <a:round/>
+                      <a:headEnd type="none" w="med" len="med"/>
+                      <a:tailEnd type="none" w="med" len="med"/>
+                    </a:lnT>
+                    <a:lnB w="12700" cap="flat" cmpd="sng" algn="ctr">
+                      <a:solidFill>
+                        <a:schemeClr val="tx1"/>
+                      </a:solidFill>
+                      <a:prstDash val="solid"/>
+                      <a:round/>
+                      <a:headEnd type="none" w="med" len="med"/>
+                      <a:tailEnd type="none" w="med" len="med"/>
+                    </a:lnB>
+                    <a:noFill/>
+                  </a:tcPr>
+                </a:tc>
+                <a:tc>
+                  <a:txBody>
+                    <a:bodyPr/>
+                    <a:lstStyle/>
+                    <a:p>
+                      <a:pPr>
+                        <a:buNone/>
+                      </a:pPr>
+                      <a:r>
+                        <a:rPr lang="en-US"/>
+                        <a:t>Hal-hazırda işləyən servisləri göstərir</a:t>
+                      </a:r>
+                    </a:p>
+                  </a:txBody>
+                  <a:tcPr anchor="ctr">
+                    <a:lnL w="12700" cap="flat" cmpd="sng" algn="ctr">
+                      <a:solidFill>
+                        <a:schemeClr val="tx1"/>
+                      </a:solidFill>
+                      <a:prstDash val="solid"/>
+                      <a:round/>
+                      <a:headEnd type="none" w="med" len="med"/>
+                      <a:tailEnd type="none" w="med" len="med"/>
+                    </a:lnL>
+                    <a:lnR w="12700" cap="flat" cmpd="sng" algn="ctr">
+                      <a:solidFill>
+                        <a:schemeClr val="tx1"/>
+                      </a:solidFill>
+                      <a:prstDash val="solid"/>
+                      <a:round/>
+                      <a:headEnd type="none" w="med" len="med"/>
+                      <a:tailEnd type="none" w="med" len="med"/>
+                    </a:lnR>
+                    <a:lnT w="12700" cap="flat" cmpd="sng" algn="ctr">
+                      <a:solidFill>
+                        <a:schemeClr val="tx1"/>
+                      </a:solidFill>
+                      <a:prstDash val="solid"/>
+                      <a:round/>
+                      <a:headEnd type="none" w="med" len="med"/>
+                      <a:tailEnd type="none" w="med" len="med"/>
+                    </a:lnT>
+                    <a:lnB w="12700" cap="flat" cmpd="sng" algn="ctr">
+                      <a:solidFill>
+                        <a:schemeClr val="tx1"/>
+                      </a:solidFill>
+                      <a:prstDash val="solid"/>
+                      <a:round/>
+                      <a:headEnd type="none" w="med" len="med"/>
+                      <a:tailEnd type="none" w="med" len="med"/>
+                    </a:lnB>
+                    <a:noFill/>
+                  </a:tcPr>
+                </a:tc>
+                <a:extLst>
+                  <a:ext uri="{0D108BD9-81ED-4DB2-BD59-A6C34878D82A}">
+                    <a16:rowId xmlns:a16="http://schemas.microsoft.com/office/drawing/2014/main" val="4194750731"/>
+                  </a:ext>
+                </a:extLst>
+              </a:tr>
+              <a:tr h="0">
+                <a:tc>
+                  <a:txBody>
+                    <a:bodyPr/>
+                    <a:lstStyle/>
+                    <a:p>
+                      <a:pPr>
+                        <a:buNone/>
+                      </a:pPr>
+                      <a:r>
+                        <a:rPr lang="en-US">
+                          <a:latin typeface="Courier New" panose="02070309020205020404" pitchFamily="49" charset="0"/>
+                        </a:rPr>
+                        <a:t>docker-compose logs -f</a:t>
+                      </a:r>
+                      <a:endParaRPr lang="en-US"/>
+                    </a:p>
+                  </a:txBody>
+                  <a:tcPr anchor="ctr">
+                    <a:lnL w="12700" cap="flat" cmpd="sng" algn="ctr">
+                      <a:solidFill>
+                        <a:schemeClr val="tx1"/>
+                      </a:solidFill>
+                      <a:prstDash val="solid"/>
+                      <a:round/>
+                      <a:headEnd type="none" w="med" len="med"/>
+                      <a:tailEnd type="none" w="med" len="med"/>
+                    </a:lnL>
+                    <a:lnR w="12700" cap="flat" cmpd="sng" algn="ctr">
+                      <a:solidFill>
+                        <a:schemeClr val="tx1"/>
+                      </a:solidFill>
+                      <a:prstDash val="solid"/>
+                      <a:round/>
+                      <a:headEnd type="none" w="med" len="med"/>
+                      <a:tailEnd type="none" w="med" len="med"/>
+                    </a:lnR>
+                    <a:lnT w="12700" cap="flat" cmpd="sng" algn="ctr">
+                      <a:solidFill>
+                        <a:schemeClr val="tx1"/>
+                      </a:solidFill>
+                      <a:prstDash val="solid"/>
+                      <a:round/>
+                      <a:headEnd type="none" w="med" len="med"/>
+                      <a:tailEnd type="none" w="med" len="med"/>
+                    </a:lnT>
+                    <a:lnB w="12700" cap="flat" cmpd="sng" algn="ctr">
+                      <a:solidFill>
+                        <a:schemeClr val="tx1"/>
+                      </a:solidFill>
+                      <a:prstDash val="solid"/>
+                      <a:round/>
+                      <a:headEnd type="none" w="med" len="med"/>
+                      <a:tailEnd type="none" w="med" len="med"/>
+                    </a:lnB>
+                    <a:noFill/>
+                  </a:tcPr>
+                </a:tc>
+                <a:tc>
+                  <a:txBody>
+                    <a:bodyPr/>
+                    <a:lstStyle/>
+                    <a:p>
+                      <a:pPr>
+                        <a:buNone/>
+                      </a:pPr>
+                      <a:r>
+                        <a:rPr lang="en-US"/>
+                        <a:t>Log-ları izləməyə imkan verir</a:t>
+                      </a:r>
+                    </a:p>
+                  </a:txBody>
+                  <a:tcPr anchor="ctr">
+                    <a:lnL w="12700" cap="flat" cmpd="sng" algn="ctr">
+                      <a:solidFill>
+                        <a:schemeClr val="tx1"/>
+                      </a:solidFill>
+                      <a:prstDash val="solid"/>
+                      <a:round/>
+                      <a:headEnd type="none" w="med" len="med"/>
+                      <a:tailEnd type="none" w="med" len="med"/>
+                    </a:lnL>
+                    <a:lnR w="12700" cap="flat" cmpd="sng" algn="ctr">
+                      <a:solidFill>
+                        <a:schemeClr val="tx1"/>
+                      </a:solidFill>
+                      <a:prstDash val="solid"/>
+                      <a:round/>
+                      <a:headEnd type="none" w="med" len="med"/>
+                      <a:tailEnd type="none" w="med" len="med"/>
+                    </a:lnR>
+                    <a:lnT w="12700" cap="flat" cmpd="sng" algn="ctr">
+                      <a:solidFill>
+                        <a:schemeClr val="tx1"/>
+                      </a:solidFill>
+                      <a:prstDash val="solid"/>
+                      <a:round/>
+                      <a:headEnd type="none" w="med" len="med"/>
+                      <a:tailEnd type="none" w="med" len="med"/>
+                    </a:lnT>
+                    <a:lnB w="12700" cap="flat" cmpd="sng" algn="ctr">
+                      <a:solidFill>
+                        <a:schemeClr val="tx1"/>
+                      </a:solidFill>
+                      <a:prstDash val="solid"/>
+                      <a:round/>
+                      <a:headEnd type="none" w="med" len="med"/>
+                      <a:tailEnd type="none" w="med" len="med"/>
+                    </a:lnB>
+                    <a:noFill/>
+                  </a:tcPr>
+                </a:tc>
+                <a:extLst>
+                  <a:ext uri="{0D108BD9-81ED-4DB2-BD59-A6C34878D82A}">
+                    <a16:rowId xmlns:a16="http://schemas.microsoft.com/office/drawing/2014/main" val="1150635146"/>
+                  </a:ext>
+                </a:extLst>
+              </a:tr>
+              <a:tr h="0">
+                <a:tc>
+                  <a:txBody>
+                    <a:bodyPr/>
+                    <a:lstStyle/>
+                    <a:p>
+                      <a:pPr>
+                        <a:buNone/>
+                      </a:pPr>
+                      <a:r>
+                        <a:rPr lang="en-US">
+                          <a:latin typeface="Courier New" panose="02070309020205020404" pitchFamily="49" charset="0"/>
+                        </a:rPr>
+                        <a:t>docker-compose build</a:t>
+                      </a:r>
+                      <a:endParaRPr lang="en-US"/>
+                    </a:p>
+                  </a:txBody>
+                  <a:tcPr anchor="ctr">
+                    <a:lnL w="12700" cap="flat" cmpd="sng" algn="ctr">
+                      <a:solidFill>
+                        <a:schemeClr val="tx1"/>
+                      </a:solidFill>
+                      <a:prstDash val="solid"/>
+                      <a:round/>
+                      <a:headEnd type="none" w="med" len="med"/>
+                      <a:tailEnd type="none" w="med" len="med"/>
+                    </a:lnL>
+                    <a:lnR w="12700" cap="flat" cmpd="sng" algn="ctr">
+                      <a:solidFill>
+                        <a:schemeClr val="tx1"/>
+                      </a:solidFill>
+                      <a:prstDash val="solid"/>
+                      <a:round/>
+                      <a:headEnd type="none" w="med" len="med"/>
+                      <a:tailEnd type="none" w="med" len="med"/>
+                    </a:lnR>
+                    <a:lnT w="12700" cap="flat" cmpd="sng" algn="ctr">
+                      <a:solidFill>
+                        <a:schemeClr val="tx1"/>
+                      </a:solidFill>
+                      <a:prstDash val="solid"/>
+                      <a:round/>
+                      <a:headEnd type="none" w="med" len="med"/>
+                      <a:tailEnd type="none" w="med" len="med"/>
+                    </a:lnT>
+                    <a:lnB w="12700" cap="flat" cmpd="sng" algn="ctr">
+                      <a:solidFill>
+                        <a:schemeClr val="tx1"/>
+                      </a:solidFill>
+                      <a:prstDash val="solid"/>
+                      <a:round/>
+                      <a:headEnd type="none" w="med" len="med"/>
+                      <a:tailEnd type="none" w="med" len="med"/>
+                    </a:lnB>
+                    <a:noFill/>
+                  </a:tcPr>
+                </a:tc>
+                <a:tc>
+                  <a:txBody>
+                    <a:bodyPr/>
+                    <a:lstStyle/>
+                    <a:p>
+                      <a:pPr>
+                        <a:buNone/>
+                      </a:pPr>
+                      <a:r>
+                        <a:rPr lang="en-US"/>
+                        <a:t>İmajları yenidən build edir (Dockerfile varsa)</a:t>
+                      </a:r>
+                    </a:p>
+                  </a:txBody>
+                  <a:tcPr anchor="ctr">
+                    <a:lnL w="12700" cap="flat" cmpd="sng" algn="ctr">
+                      <a:solidFill>
+                        <a:schemeClr val="tx1"/>
+                      </a:solidFill>
+                      <a:prstDash val="solid"/>
+                      <a:round/>
+                      <a:headEnd type="none" w="med" len="med"/>
+                      <a:tailEnd type="none" w="med" len="med"/>
+                    </a:lnL>
+                    <a:lnR w="12700" cap="flat" cmpd="sng" algn="ctr">
+                      <a:solidFill>
+                        <a:schemeClr val="tx1"/>
+                      </a:solidFill>
+                      <a:prstDash val="solid"/>
+                      <a:round/>
+                      <a:headEnd type="none" w="med" len="med"/>
+                      <a:tailEnd type="none" w="med" len="med"/>
+                    </a:lnR>
+                    <a:lnT w="12700" cap="flat" cmpd="sng" algn="ctr">
+                      <a:solidFill>
+                        <a:schemeClr val="tx1"/>
+                      </a:solidFill>
+                      <a:prstDash val="solid"/>
+                      <a:round/>
+                      <a:headEnd type="none" w="med" len="med"/>
+                      <a:tailEnd type="none" w="med" len="med"/>
+                    </a:lnT>
+                    <a:lnB w="12700" cap="flat" cmpd="sng" algn="ctr">
+                      <a:solidFill>
+                        <a:schemeClr val="tx1"/>
+                      </a:solidFill>
+                      <a:prstDash val="solid"/>
+                      <a:round/>
+                      <a:headEnd type="none" w="med" len="med"/>
+                      <a:tailEnd type="none" w="med" len="med"/>
+                    </a:lnB>
+                    <a:noFill/>
+                  </a:tcPr>
+                </a:tc>
+                <a:extLst>
+                  <a:ext uri="{0D108BD9-81ED-4DB2-BD59-A6C34878D82A}">
+                    <a16:rowId xmlns:a16="http://schemas.microsoft.com/office/drawing/2014/main" val="3782323624"/>
+                  </a:ext>
+                </a:extLst>
+              </a:tr>
+            </a:tbl>
+          </a:graphicData>
+        </a:graphic>
+      </p:graphicFrame>
+      <p:graphicFrame>
+        <p:nvGraphicFramePr>
+          <p:cNvPr id="3" name="Table 2">
+            <a:extLst>
+              <a:ext uri="{FF2B5EF4-FFF2-40B4-BE49-F238E27FC236}">
+                <a16:creationId xmlns:a16="http://schemas.microsoft.com/office/drawing/2014/main" id="{0616D421-8506-3AAF-3028-BCC37E3C2220}"/>
+              </a:ext>
+            </a:extLst>
+          </p:cNvPr>
+          <p:cNvGraphicFramePr>
+            <a:graphicFrameLocks noGrp="1"/>
+          </p:cNvGraphicFramePr>
+          <p:nvPr>
+            <p:extLst>
+              <p:ext uri="{D42A27DB-BD31-4B8C-83A1-F6EECF244321}">
+                <p14:modId xmlns:p14="http://schemas.microsoft.com/office/powerpoint/2010/main" val="1246132145"/>
+              </p:ext>
+            </p:extLst>
+          </p:nvPr>
+        </p:nvGraphicFramePr>
+        <p:xfrm>
+          <a:off x="203200" y="4095505"/>
+          <a:ext cx="7629208" cy="2194560"/>
+        </p:xfrm>
+        <a:graphic>
+          <a:graphicData uri="http://schemas.openxmlformats.org/drawingml/2006/table">
+            <a:tbl>
+              <a:tblPr/>
+              <a:tblGrid>
+                <a:gridCol w="1704340">
+                  <a:extLst>
+                    <a:ext uri="{9D8B030D-6E8A-4147-A177-3AD203B41FA5}">
+                      <a16:colId xmlns:a16="http://schemas.microsoft.com/office/drawing/2014/main" val="559723743"/>
+                    </a:ext>
+                  </a:extLst>
+                </a:gridCol>
+                <a:gridCol w="2419668">
+                  <a:extLst>
+                    <a:ext uri="{9D8B030D-6E8A-4147-A177-3AD203B41FA5}">
+                      <a16:colId xmlns:a16="http://schemas.microsoft.com/office/drawing/2014/main" val="270301139"/>
+                    </a:ext>
+                  </a:extLst>
+                </a:gridCol>
+                <a:gridCol w="3505200">
+                  <a:extLst>
+                    <a:ext uri="{9D8B030D-6E8A-4147-A177-3AD203B41FA5}">
+                      <a16:colId xmlns:a16="http://schemas.microsoft.com/office/drawing/2014/main" val="4035819590"/>
+                    </a:ext>
+                  </a:extLst>
+                </a:gridCol>
+              </a:tblGrid>
+              <a:tr h="0">
+                <a:tc>
+                  <a:txBody>
+                    <a:bodyPr/>
+                    <a:lstStyle/>
+                    <a:p>
+                      <a:pPr>
+                        <a:buNone/>
+                      </a:pPr>
+                      <a:r>
+                        <a:rPr lang="en-US" b="1"/>
+                        <a:t>Xüsusiyyət</a:t>
                       </a:r>
                     </a:p>
                   </a:txBody>
@@ -7931,7 +10221,63 @@
                       </a:pPr>
                       <a:r>
                         <a:rPr lang="en-US" b="1"/>
-                        <a:t>Port</a:t>
+                        <a:t>Docker</a:t>
+                      </a:r>
+                    </a:p>
+                  </a:txBody>
+                  <a:tcPr anchor="ctr">
+                    <a:lnL w="12700" cap="flat" cmpd="sng" algn="ctr">
+                      <a:solidFill>
+                        <a:schemeClr val="tx1"/>
+                      </a:solidFill>
+                      <a:prstDash val="solid"/>
+                      <a:round/>
+                      <a:headEnd type="none" w="med" len="med"/>
+                      <a:tailEnd type="none" w="med" len="med"/>
+                    </a:lnL>
+                    <a:lnR w="12700" cap="flat" cmpd="sng" algn="ctr">
+                      <a:solidFill>
+                        <a:schemeClr val="tx1"/>
+                      </a:solidFill>
+                      <a:prstDash val="solid"/>
+                      <a:round/>
+                      <a:headEnd type="none" w="med" len="med"/>
+                      <a:tailEnd type="none" w="med" len="med"/>
+                    </a:lnR>
+                    <a:lnT w="12700" cap="flat" cmpd="sng" algn="ctr">
+                      <a:solidFill>
+                        <a:schemeClr val="tx1"/>
+                      </a:solidFill>
+                      <a:prstDash val="solid"/>
+                      <a:round/>
+                      <a:headEnd type="none" w="med" len="med"/>
+                      <a:tailEnd type="none" w="med" len="med"/>
+                    </a:lnT>
+                    <a:lnB w="12700" cap="flat" cmpd="sng" algn="ctr">
+                      <a:solidFill>
+                        <a:schemeClr val="tx1"/>
+                      </a:solidFill>
+                      <a:prstDash val="solid"/>
+                      <a:round/>
+                      <a:headEnd type="none" w="med" len="med"/>
+                      <a:tailEnd type="none" w="med" len="med"/>
+                    </a:lnB>
+                    <a:solidFill>
+                      <a:schemeClr val="accent2"/>
+                    </a:solidFill>
+                  </a:tcPr>
+                </a:tc>
+                <a:tc>
+                  <a:txBody>
+                    <a:bodyPr/>
+                    <a:lstStyle/>
+                    <a:p>
+                      <a:pPr>
+                        <a:buNone/>
+                      </a:pPr>
+                      <a:r>
+                        <a:rPr lang="en-US" b="1"/>
+                        <a:t>Docker Compose</a:t>
                       </a:r>
                     </a:p>
                   </a:txBody>
@@ -7979,11 +10325,11 @@
                 </a:tc>
                 <a:extLst>
                   <a:ext uri="{0D108BD9-81ED-4DB2-BD59-A6C34878D82A}">
-                    <a16:rowId xmlns:a16="http://schemas.microsoft.com/office/drawing/2014/main" val="1698873209"/>
+                    <a16:rowId xmlns:a16="http://schemas.microsoft.com/office/drawing/2014/main" val="1008787727"/>
                   </a:ext>
                 </a:extLst>
               </a:tr>
-              <a:tr h="574938">
+              <a:tr h="0">
                 <a:tc>
                   <a:txBody>
                     <a:bodyPr/>
@@ -7994,7 +10340,683 @@
                       </a:pPr>
                       <a:r>
                         <a:rPr lang="en-US"/>
-                        <a:t>Nginx (frontend)</a:t>
+                        <a:t>Format</a:t>
+                      </a:r>
+                    </a:p>
+                  </a:txBody>
+                  <a:tcPr anchor="ctr">
+                    <a:lnL w="12700" cap="flat" cmpd="sng" algn="ctr">
+                      <a:solidFill>
+                        <a:schemeClr val="tx1"/>
+                      </a:solidFill>
+                      <a:prstDash val="solid"/>
+                      <a:round/>
+                      <a:headEnd type="none" w="med" len="med"/>
+                      <a:tailEnd type="none" w="med" len="med"/>
+                    </a:lnL>
+                    <a:lnR w="12700" cap="flat" cmpd="sng" algn="ctr">
+                      <a:solidFill>
+                        <a:schemeClr val="tx1"/>
+                      </a:solidFill>
+                      <a:prstDash val="solid"/>
+                      <a:round/>
+                      <a:headEnd type="none" w="med" len="med"/>
+                      <a:tailEnd type="none" w="med" len="med"/>
+                    </a:lnR>
+                    <a:lnT w="12700" cap="flat" cmpd="sng" algn="ctr">
+                      <a:solidFill>
+                        <a:schemeClr val="tx1"/>
+                      </a:solidFill>
+                      <a:prstDash val="solid"/>
+                      <a:round/>
+                      <a:headEnd type="none" w="med" len="med"/>
+                      <a:tailEnd type="none" w="med" len="med"/>
+                    </a:lnT>
+                    <a:lnB w="12700" cap="flat" cmpd="sng" algn="ctr">
+                      <a:solidFill>
+                        <a:schemeClr val="tx1"/>
+                      </a:solidFill>
+                      <a:prstDash val="solid"/>
+                      <a:round/>
+                      <a:headEnd type="none" w="med" len="med"/>
+                      <a:tailEnd type="none" w="med" len="med"/>
+                    </a:lnB>
+                    <a:noFill/>
+                  </a:tcPr>
+                </a:tc>
+                <a:tc>
+                  <a:txBody>
+                    <a:bodyPr/>
+                    <a:lstStyle/>
+                    <a:p>
+                      <a:pPr>
+                        <a:buNone/>
+                      </a:pPr>
+                      <a:r>
+                        <a:rPr lang="en-US"/>
+                        <a:t>Əmrlərlə idarə olunur</a:t>
+                      </a:r>
+                    </a:p>
+                  </a:txBody>
+                  <a:tcPr anchor="ctr">
+                    <a:lnL w="12700" cap="flat" cmpd="sng" algn="ctr">
+                      <a:solidFill>
+                        <a:schemeClr val="tx1"/>
+                      </a:solidFill>
+                      <a:prstDash val="solid"/>
+                      <a:round/>
+                      <a:headEnd type="none" w="med" len="med"/>
+                      <a:tailEnd type="none" w="med" len="med"/>
+                    </a:lnL>
+                    <a:lnR w="12700" cap="flat" cmpd="sng" algn="ctr">
+                      <a:solidFill>
+                        <a:schemeClr val="tx1"/>
+                      </a:solidFill>
+                      <a:prstDash val="solid"/>
+                      <a:round/>
+                      <a:headEnd type="none" w="med" len="med"/>
+                      <a:tailEnd type="none" w="med" len="med"/>
+                    </a:lnR>
+                    <a:lnT w="12700" cap="flat" cmpd="sng" algn="ctr">
+                      <a:solidFill>
+                        <a:schemeClr val="tx1"/>
+                      </a:solidFill>
+                      <a:prstDash val="solid"/>
+                      <a:round/>
+                      <a:headEnd type="none" w="med" len="med"/>
+                      <a:tailEnd type="none" w="med" len="med"/>
+                    </a:lnT>
+                    <a:lnB w="12700" cap="flat" cmpd="sng" algn="ctr">
+                      <a:solidFill>
+                        <a:schemeClr val="tx1"/>
+                      </a:solidFill>
+                      <a:prstDash val="solid"/>
+                      <a:round/>
+                      <a:headEnd type="none" w="med" len="med"/>
+                      <a:tailEnd type="none" w="med" len="med"/>
+                    </a:lnB>
+                    <a:noFill/>
+                  </a:tcPr>
+                </a:tc>
+                <a:tc>
+                  <a:txBody>
+                    <a:bodyPr/>
+                    <a:lstStyle/>
+                    <a:p>
+                      <a:pPr>
+                        <a:buNone/>
+                      </a:pPr>
+                      <a:r>
+                        <a:rPr lang="en-US"/>
+                        <a:t>YAML faylı ilə idarə olunur</a:t>
+                      </a:r>
+                    </a:p>
+                  </a:txBody>
+                  <a:tcPr anchor="ctr">
+                    <a:lnL w="12700" cap="flat" cmpd="sng" algn="ctr">
+                      <a:solidFill>
+                        <a:schemeClr val="tx1"/>
+                      </a:solidFill>
+                      <a:prstDash val="solid"/>
+                      <a:round/>
+                      <a:headEnd type="none" w="med" len="med"/>
+                      <a:tailEnd type="none" w="med" len="med"/>
+                    </a:lnL>
+                    <a:lnR w="12700" cap="flat" cmpd="sng" algn="ctr">
+                      <a:solidFill>
+                        <a:schemeClr val="tx1"/>
+                      </a:solidFill>
+                      <a:prstDash val="solid"/>
+                      <a:round/>
+                      <a:headEnd type="none" w="med" len="med"/>
+                      <a:tailEnd type="none" w="med" len="med"/>
+                    </a:lnR>
+                    <a:lnT w="12700" cap="flat" cmpd="sng" algn="ctr">
+                      <a:solidFill>
+                        <a:schemeClr val="tx1"/>
+                      </a:solidFill>
+                      <a:prstDash val="solid"/>
+                      <a:round/>
+                      <a:headEnd type="none" w="med" len="med"/>
+                      <a:tailEnd type="none" w="med" len="med"/>
+                    </a:lnT>
+                    <a:lnB w="12700" cap="flat" cmpd="sng" algn="ctr">
+                      <a:solidFill>
+                        <a:schemeClr val="tx1"/>
+                      </a:solidFill>
+                      <a:prstDash val="solid"/>
+                      <a:round/>
+                      <a:headEnd type="none" w="med" len="med"/>
+                      <a:tailEnd type="none" w="med" len="med"/>
+                    </a:lnB>
+                    <a:noFill/>
+                  </a:tcPr>
+                </a:tc>
+                <a:extLst>
+                  <a:ext uri="{0D108BD9-81ED-4DB2-BD59-A6C34878D82A}">
+                    <a16:rowId xmlns:a16="http://schemas.microsoft.com/office/drawing/2014/main" val="3933787595"/>
+                  </a:ext>
+                </a:extLst>
+              </a:tr>
+              <a:tr h="0">
+                <a:tc>
+                  <a:txBody>
+                    <a:bodyPr/>
+                    <a:lstStyle/>
+                    <a:p>
+                      <a:pPr>
+                        <a:buNone/>
+                      </a:pPr>
+                      <a:r>
+                        <a:rPr lang="en-US"/>
+                        <a:t>Tətbiq sayı</a:t>
+                      </a:r>
+                    </a:p>
+                  </a:txBody>
+                  <a:tcPr anchor="ctr">
+                    <a:lnL w="12700" cap="flat" cmpd="sng" algn="ctr">
+                      <a:solidFill>
+                        <a:schemeClr val="tx1"/>
+                      </a:solidFill>
+                      <a:prstDash val="solid"/>
+                      <a:round/>
+                      <a:headEnd type="none" w="med" len="med"/>
+                      <a:tailEnd type="none" w="med" len="med"/>
+                    </a:lnL>
+                    <a:lnR w="12700" cap="flat" cmpd="sng" algn="ctr">
+                      <a:solidFill>
+                        <a:schemeClr val="tx1"/>
+                      </a:solidFill>
+                      <a:prstDash val="solid"/>
+                      <a:round/>
+                      <a:headEnd type="none" w="med" len="med"/>
+                      <a:tailEnd type="none" w="med" len="med"/>
+                    </a:lnR>
+                    <a:lnT w="12700" cap="flat" cmpd="sng" algn="ctr">
+                      <a:solidFill>
+                        <a:schemeClr val="tx1"/>
+                      </a:solidFill>
+                      <a:prstDash val="solid"/>
+                      <a:round/>
+                      <a:headEnd type="none" w="med" len="med"/>
+                      <a:tailEnd type="none" w="med" len="med"/>
+                    </a:lnT>
+                    <a:lnB w="12700" cap="flat" cmpd="sng" algn="ctr">
+                      <a:solidFill>
+                        <a:schemeClr val="tx1"/>
+                      </a:solidFill>
+                      <a:prstDash val="solid"/>
+                      <a:round/>
+                      <a:headEnd type="none" w="med" len="med"/>
+                      <a:tailEnd type="none" w="med" len="med"/>
+                    </a:lnB>
+                    <a:noFill/>
+                  </a:tcPr>
+                </a:tc>
+                <a:tc>
+                  <a:txBody>
+                    <a:bodyPr/>
+                    <a:lstStyle/>
+                    <a:p>
+                      <a:pPr>
+                        <a:buNone/>
+                      </a:pPr>
+                      <a:r>
+                        <a:rPr lang="en-US"/>
+                        <a:t>Tək container</a:t>
+                      </a:r>
+                    </a:p>
+                  </a:txBody>
+                  <a:tcPr anchor="ctr">
+                    <a:lnL w="12700" cap="flat" cmpd="sng" algn="ctr">
+                      <a:solidFill>
+                        <a:schemeClr val="tx1"/>
+                      </a:solidFill>
+                      <a:prstDash val="solid"/>
+                      <a:round/>
+                      <a:headEnd type="none" w="med" len="med"/>
+                      <a:tailEnd type="none" w="med" len="med"/>
+                    </a:lnL>
+                    <a:lnR w="12700" cap="flat" cmpd="sng" algn="ctr">
+                      <a:solidFill>
+                        <a:schemeClr val="tx1"/>
+                      </a:solidFill>
+                      <a:prstDash val="solid"/>
+                      <a:round/>
+                      <a:headEnd type="none" w="med" len="med"/>
+                      <a:tailEnd type="none" w="med" len="med"/>
+                    </a:lnR>
+                    <a:lnT w="12700" cap="flat" cmpd="sng" algn="ctr">
+                      <a:solidFill>
+                        <a:schemeClr val="tx1"/>
+                      </a:solidFill>
+                      <a:prstDash val="solid"/>
+                      <a:round/>
+                      <a:headEnd type="none" w="med" len="med"/>
+                      <a:tailEnd type="none" w="med" len="med"/>
+                    </a:lnT>
+                    <a:lnB w="12700" cap="flat" cmpd="sng" algn="ctr">
+                      <a:solidFill>
+                        <a:schemeClr val="tx1"/>
+                      </a:solidFill>
+                      <a:prstDash val="solid"/>
+                      <a:round/>
+                      <a:headEnd type="none" w="med" len="med"/>
+                      <a:tailEnd type="none" w="med" len="med"/>
+                    </a:lnB>
+                    <a:noFill/>
+                  </a:tcPr>
+                </a:tc>
+                <a:tc>
+                  <a:txBody>
+                    <a:bodyPr/>
+                    <a:lstStyle/>
+                    <a:p>
+                      <a:pPr>
+                        <a:buNone/>
+                      </a:pPr>
+                      <a:r>
+                        <a:rPr lang="en-US"/>
+                        <a:t>Birdən çox container</a:t>
+                      </a:r>
+                    </a:p>
+                  </a:txBody>
+                  <a:tcPr anchor="ctr">
+                    <a:lnL w="12700" cap="flat" cmpd="sng" algn="ctr">
+                      <a:solidFill>
+                        <a:schemeClr val="tx1"/>
+                      </a:solidFill>
+                      <a:prstDash val="solid"/>
+                      <a:round/>
+                      <a:headEnd type="none" w="med" len="med"/>
+                      <a:tailEnd type="none" w="med" len="med"/>
+                    </a:lnL>
+                    <a:lnR w="12700" cap="flat" cmpd="sng" algn="ctr">
+                      <a:solidFill>
+                        <a:schemeClr val="tx1"/>
+                      </a:solidFill>
+                      <a:prstDash val="solid"/>
+                      <a:round/>
+                      <a:headEnd type="none" w="med" len="med"/>
+                      <a:tailEnd type="none" w="med" len="med"/>
+                    </a:lnR>
+                    <a:lnT w="12700" cap="flat" cmpd="sng" algn="ctr">
+                      <a:solidFill>
+                        <a:schemeClr val="tx1"/>
+                      </a:solidFill>
+                      <a:prstDash val="solid"/>
+                      <a:round/>
+                      <a:headEnd type="none" w="med" len="med"/>
+                      <a:tailEnd type="none" w="med" len="med"/>
+                    </a:lnT>
+                    <a:lnB w="12700" cap="flat" cmpd="sng" algn="ctr">
+                      <a:solidFill>
+                        <a:schemeClr val="tx1"/>
+                      </a:solidFill>
+                      <a:prstDash val="solid"/>
+                      <a:round/>
+                      <a:headEnd type="none" w="med" len="med"/>
+                      <a:tailEnd type="none" w="med" len="med"/>
+                    </a:lnB>
+                    <a:noFill/>
+                  </a:tcPr>
+                </a:tc>
+                <a:extLst>
+                  <a:ext uri="{0D108BD9-81ED-4DB2-BD59-A6C34878D82A}">
+                    <a16:rowId xmlns:a16="http://schemas.microsoft.com/office/drawing/2014/main" val="613201087"/>
+                  </a:ext>
+                </a:extLst>
+              </a:tr>
+              <a:tr h="0">
+                <a:tc>
+                  <a:txBody>
+                    <a:bodyPr/>
+                    <a:lstStyle/>
+                    <a:p>
+                      <a:pPr>
+                        <a:buNone/>
+                      </a:pPr>
+                      <a:r>
+                        <a:rPr lang="en-US"/>
+                        <a:t>Şəbəkə əlaqəsi</a:t>
+                      </a:r>
+                    </a:p>
+                  </a:txBody>
+                  <a:tcPr anchor="ctr">
+                    <a:lnL w="12700" cap="flat" cmpd="sng" algn="ctr">
+                      <a:solidFill>
+                        <a:schemeClr val="tx1"/>
+                      </a:solidFill>
+                      <a:prstDash val="solid"/>
+                      <a:round/>
+                      <a:headEnd type="none" w="med" len="med"/>
+                      <a:tailEnd type="none" w="med" len="med"/>
+                    </a:lnL>
+                    <a:lnR w="12700" cap="flat" cmpd="sng" algn="ctr">
+                      <a:solidFill>
+                        <a:schemeClr val="tx1"/>
+                      </a:solidFill>
+                      <a:prstDash val="solid"/>
+                      <a:round/>
+                      <a:headEnd type="none" w="med" len="med"/>
+                      <a:tailEnd type="none" w="med" len="med"/>
+                    </a:lnR>
+                    <a:lnT w="12700" cap="flat" cmpd="sng" algn="ctr">
+                      <a:solidFill>
+                        <a:schemeClr val="tx1"/>
+                      </a:solidFill>
+                      <a:prstDash val="solid"/>
+                      <a:round/>
+                      <a:headEnd type="none" w="med" len="med"/>
+                      <a:tailEnd type="none" w="med" len="med"/>
+                    </a:lnT>
+                    <a:lnB w="12700" cap="flat" cmpd="sng" algn="ctr">
+                      <a:solidFill>
+                        <a:schemeClr val="tx1"/>
+                      </a:solidFill>
+                      <a:prstDash val="solid"/>
+                      <a:round/>
+                      <a:headEnd type="none" w="med" len="med"/>
+                      <a:tailEnd type="none" w="med" len="med"/>
+                    </a:lnB>
+                    <a:noFill/>
+                  </a:tcPr>
+                </a:tc>
+                <a:tc>
+                  <a:txBody>
+                    <a:bodyPr/>
+                    <a:lstStyle/>
+                    <a:p>
+                      <a:pPr>
+                        <a:buNone/>
+                      </a:pPr>
+                      <a:r>
+                        <a:rPr lang="en-US"/>
+                        <a:t>Manual ayarlanır</a:t>
+                      </a:r>
+                    </a:p>
+                  </a:txBody>
+                  <a:tcPr anchor="ctr">
+                    <a:lnL w="12700" cap="flat" cmpd="sng" algn="ctr">
+                      <a:solidFill>
+                        <a:schemeClr val="tx1"/>
+                      </a:solidFill>
+                      <a:prstDash val="solid"/>
+                      <a:round/>
+                      <a:headEnd type="none" w="med" len="med"/>
+                      <a:tailEnd type="none" w="med" len="med"/>
+                    </a:lnL>
+                    <a:lnR w="12700" cap="flat" cmpd="sng" algn="ctr">
+                      <a:solidFill>
+                        <a:schemeClr val="tx1"/>
+                      </a:solidFill>
+                      <a:prstDash val="solid"/>
+                      <a:round/>
+                      <a:headEnd type="none" w="med" len="med"/>
+                      <a:tailEnd type="none" w="med" len="med"/>
+                    </a:lnR>
+                    <a:lnT w="12700" cap="flat" cmpd="sng" algn="ctr">
+                      <a:solidFill>
+                        <a:schemeClr val="tx1"/>
+                      </a:solidFill>
+                      <a:prstDash val="solid"/>
+                      <a:round/>
+                      <a:headEnd type="none" w="med" len="med"/>
+                      <a:tailEnd type="none" w="med" len="med"/>
+                    </a:lnT>
+                    <a:lnB w="12700" cap="flat" cmpd="sng" algn="ctr">
+                      <a:solidFill>
+                        <a:schemeClr val="tx1"/>
+                      </a:solidFill>
+                      <a:prstDash val="solid"/>
+                      <a:round/>
+                      <a:headEnd type="none" w="med" len="med"/>
+                      <a:tailEnd type="none" w="med" len="med"/>
+                    </a:lnB>
+                    <a:noFill/>
+                  </a:tcPr>
+                </a:tc>
+                <a:tc>
+                  <a:txBody>
+                    <a:bodyPr/>
+                    <a:lstStyle/>
+                    <a:p>
+                      <a:pPr>
+                        <a:buNone/>
+                      </a:pPr>
+                      <a:r>
+                        <a:rPr lang="en-US"/>
+                        <a:t>Avtomatik yaradılır</a:t>
+                      </a:r>
+                    </a:p>
+                  </a:txBody>
+                  <a:tcPr anchor="ctr">
+                    <a:lnL w="12700" cap="flat" cmpd="sng" algn="ctr">
+                      <a:solidFill>
+                        <a:schemeClr val="tx1"/>
+                      </a:solidFill>
+                      <a:prstDash val="solid"/>
+                      <a:round/>
+                      <a:headEnd type="none" w="med" len="med"/>
+                      <a:tailEnd type="none" w="med" len="med"/>
+                    </a:lnL>
+                    <a:lnR w="12700" cap="flat" cmpd="sng" algn="ctr">
+                      <a:solidFill>
+                        <a:schemeClr val="tx1"/>
+                      </a:solidFill>
+                      <a:prstDash val="solid"/>
+                      <a:round/>
+                      <a:headEnd type="none" w="med" len="med"/>
+                      <a:tailEnd type="none" w="med" len="med"/>
+                    </a:lnR>
+                    <a:lnT w="12700" cap="flat" cmpd="sng" algn="ctr">
+                      <a:solidFill>
+                        <a:schemeClr val="tx1"/>
+                      </a:solidFill>
+                      <a:prstDash val="solid"/>
+                      <a:round/>
+                      <a:headEnd type="none" w="med" len="med"/>
+                      <a:tailEnd type="none" w="med" len="med"/>
+                    </a:lnT>
+                    <a:lnB w="12700" cap="flat" cmpd="sng" algn="ctr">
+                      <a:solidFill>
+                        <a:schemeClr val="tx1"/>
+                      </a:solidFill>
+                      <a:prstDash val="solid"/>
+                      <a:round/>
+                      <a:headEnd type="none" w="med" len="med"/>
+                      <a:tailEnd type="none" w="med" len="med"/>
+                    </a:lnB>
+                    <a:noFill/>
+                  </a:tcPr>
+                </a:tc>
+                <a:extLst>
+                  <a:ext uri="{0D108BD9-81ED-4DB2-BD59-A6C34878D82A}">
+                    <a16:rowId xmlns:a16="http://schemas.microsoft.com/office/drawing/2014/main" val="744913442"/>
+                  </a:ext>
+                </a:extLst>
+              </a:tr>
+              <a:tr h="0">
+                <a:tc>
+                  <a:txBody>
+                    <a:bodyPr/>
+                    <a:lstStyle/>
+                    <a:p>
+                      <a:pPr>
+                        <a:buNone/>
+                      </a:pPr>
+                      <a:r>
+                        <a:rPr lang="en-US"/>
+                        <a:t>Uyğunluq</a:t>
+                      </a:r>
+                    </a:p>
+                  </a:txBody>
+                  <a:tcPr anchor="ctr">
+                    <a:lnL w="12700" cap="flat" cmpd="sng" algn="ctr">
+                      <a:solidFill>
+                        <a:schemeClr val="tx1"/>
+                      </a:solidFill>
+                      <a:prstDash val="solid"/>
+                      <a:round/>
+                      <a:headEnd type="none" w="med" len="med"/>
+                      <a:tailEnd type="none" w="med" len="med"/>
+                    </a:lnL>
+                    <a:lnR w="12700" cap="flat" cmpd="sng" algn="ctr">
+                      <a:solidFill>
+                        <a:schemeClr val="tx1"/>
+                      </a:solidFill>
+                      <a:prstDash val="solid"/>
+                      <a:round/>
+                      <a:headEnd type="none" w="med" len="med"/>
+                      <a:tailEnd type="none" w="med" len="med"/>
+                    </a:lnR>
+                    <a:lnT w="12700" cap="flat" cmpd="sng" algn="ctr">
+                      <a:solidFill>
+                        <a:schemeClr val="tx1"/>
+                      </a:solidFill>
+                      <a:prstDash val="solid"/>
+                      <a:round/>
+                      <a:headEnd type="none" w="med" len="med"/>
+                      <a:tailEnd type="none" w="med" len="med"/>
+                    </a:lnT>
+                    <a:lnB w="12700" cap="flat" cmpd="sng" algn="ctr">
+                      <a:solidFill>
+                        <a:schemeClr val="tx1"/>
+                      </a:solidFill>
+                      <a:prstDash val="solid"/>
+                      <a:round/>
+                      <a:headEnd type="none" w="med" len="med"/>
+                      <a:tailEnd type="none" w="med" len="med"/>
+                    </a:lnB>
+                    <a:noFill/>
+                  </a:tcPr>
+                </a:tc>
+                <a:tc>
+                  <a:txBody>
+                    <a:bodyPr/>
+                    <a:lstStyle/>
+                    <a:p>
+                      <a:pPr>
+                        <a:buNone/>
+                      </a:pPr>
+                      <a:r>
+                        <a:rPr lang="en-US"/>
+                        <a:t>Sadə layihələr üçün</a:t>
+                      </a:r>
+                    </a:p>
+                  </a:txBody>
+                  <a:tcPr anchor="ctr">
+                    <a:lnL w="12700" cap="flat" cmpd="sng" algn="ctr">
+                      <a:solidFill>
+                        <a:schemeClr val="tx1"/>
+                      </a:solidFill>
+                      <a:prstDash val="solid"/>
+                      <a:round/>
+                      <a:headEnd type="none" w="med" len="med"/>
+                      <a:tailEnd type="none" w="med" len="med"/>
+                    </a:lnL>
+                    <a:lnR w="12700" cap="flat" cmpd="sng" algn="ctr">
+                      <a:solidFill>
+                        <a:schemeClr val="tx1"/>
+                      </a:solidFill>
+                      <a:prstDash val="solid"/>
+                      <a:round/>
+                      <a:headEnd type="none" w="med" len="med"/>
+                      <a:tailEnd type="none" w="med" len="med"/>
+                    </a:lnR>
+                    <a:lnT w="12700" cap="flat" cmpd="sng" algn="ctr">
+                      <a:solidFill>
+                        <a:schemeClr val="tx1"/>
+                      </a:solidFill>
+                      <a:prstDash val="solid"/>
+                      <a:round/>
+                      <a:headEnd type="none" w="med" len="med"/>
+                      <a:tailEnd type="none" w="med" len="med"/>
+                    </a:lnT>
+                    <a:lnB w="12700" cap="flat" cmpd="sng" algn="ctr">
+                      <a:solidFill>
+                        <a:schemeClr val="tx1"/>
+                      </a:solidFill>
+                      <a:prstDash val="solid"/>
+                      <a:round/>
+                      <a:headEnd type="none" w="med" len="med"/>
+                      <a:tailEnd type="none" w="med" len="med"/>
+                    </a:lnB>
+                    <a:noFill/>
+                  </a:tcPr>
+                </a:tc>
+                <a:tc>
+                  <a:txBody>
+                    <a:bodyPr/>
+                    <a:lstStyle/>
+                    <a:p>
+                      <a:pPr>
+                        <a:buNone/>
+                      </a:pPr>
+                      <a:r>
+                        <a:rPr lang="en-US"/>
+                        <a:t>Kompleks sistemlər üçün</a:t>
+                      </a:r>
+                    </a:p>
+                  </a:txBody>
+                  <a:tcPr anchor="ctr">
+                    <a:lnL w="12700" cap="flat" cmpd="sng" algn="ctr">
+                      <a:solidFill>
+                        <a:schemeClr val="tx1"/>
+                      </a:solidFill>
+                      <a:prstDash val="solid"/>
+                      <a:round/>
+                      <a:headEnd type="none" w="med" len="med"/>
+                      <a:tailEnd type="none" w="med" len="med"/>
+                    </a:lnL>
+                    <a:lnR w="12700" cap="flat" cmpd="sng" algn="ctr">
+                      <a:solidFill>
+                        <a:schemeClr val="tx1"/>
+                      </a:solidFill>
+                      <a:prstDash val="solid"/>
+                      <a:round/>
+                      <a:headEnd type="none" w="med" len="med"/>
+                      <a:tailEnd type="none" w="med" len="med"/>
+                    </a:lnR>
+                    <a:lnT w="12700" cap="flat" cmpd="sng" algn="ctr">
+                      <a:solidFill>
+                        <a:schemeClr val="tx1"/>
+                      </a:solidFill>
+                      <a:prstDash val="solid"/>
+                      <a:round/>
+                      <a:headEnd type="none" w="med" len="med"/>
+                      <a:tailEnd type="none" w="med" len="med"/>
+                    </a:lnT>
+                    <a:lnB w="12700" cap="flat" cmpd="sng" algn="ctr">
+                      <a:solidFill>
+                        <a:schemeClr val="tx1"/>
+                      </a:solidFill>
+                      <a:prstDash val="solid"/>
+                      <a:round/>
+                      <a:headEnd type="none" w="med" len="med"/>
+                      <a:tailEnd type="none" w="med" len="med"/>
+                    </a:lnB>
+                    <a:noFill/>
+                  </a:tcPr>
+                </a:tc>
+                <a:extLst>
+                  <a:ext uri="{0D108BD9-81ED-4DB2-BD59-A6C34878D82A}">
+                    <a16:rowId xmlns:a16="http://schemas.microsoft.com/office/drawing/2014/main" val="1972410112"/>
+                  </a:ext>
+                </a:extLst>
+              </a:tr>
+              <a:tr h="0">
+                <a:tc>
+                  <a:txBody>
+                    <a:bodyPr/>
+                    <a:lstStyle/>
+                    <a:p>
+                      <a:pPr>
+                        <a:buNone/>
+                      </a:pPr>
+                      <a:r>
+                        <a:rPr lang="en-US"/>
+                        <a:t>Komanda misalı</a:t>
                       </a:r>
                     </a:p>
                   </a:txBody>
@@ -8050,124 +11072,9 @@
                         <a:rPr lang="en-US">
                           <a:latin typeface="Courier New" panose="02070309020205020404" pitchFamily="49" charset="0"/>
                         </a:rPr>
-                        <a:t>nginx:latest</a:t>
+                        <a:t>docker run nginx</a:t>
                       </a:r>
                       <a:endParaRPr lang="en-US"/>
-                    </a:p>
-                  </a:txBody>
-                  <a:tcPr anchor="ctr">
-                    <a:lnL w="12700" cap="flat" cmpd="sng" algn="ctr">
-                      <a:solidFill>
-                        <a:schemeClr val="tx1"/>
-                      </a:solidFill>
-                      <a:prstDash val="solid"/>
-                      <a:round/>
-                      <a:headEnd type="none" w="med" len="med"/>
-                      <a:tailEnd type="none" w="med" len="med"/>
-                    </a:lnL>
-                    <a:lnR w="12700" cap="flat" cmpd="sng" algn="ctr">
-                      <a:solidFill>
-                        <a:schemeClr val="tx1"/>
-                      </a:solidFill>
-                      <a:prstDash val="solid"/>
-                      <a:round/>
-                      <a:headEnd type="none" w="med" len="med"/>
-                      <a:tailEnd type="none" w="med" len="med"/>
-                    </a:lnR>
-                    <a:lnT w="12700" cap="flat" cmpd="sng" algn="ctr">
-                      <a:solidFill>
-                        <a:schemeClr val="tx1"/>
-                      </a:solidFill>
-                      <a:prstDash val="solid"/>
-                      <a:round/>
-                      <a:headEnd type="none" w="med" len="med"/>
-                      <a:tailEnd type="none" w="med" len="med"/>
-                    </a:lnT>
-                    <a:lnB w="12700" cap="flat" cmpd="sng" algn="ctr">
-                      <a:solidFill>
-                        <a:schemeClr val="tx1"/>
-                      </a:solidFill>
-                      <a:prstDash val="solid"/>
-                      <a:round/>
-                      <a:headEnd type="none" w="med" len="med"/>
-                      <a:tailEnd type="none" w="med" len="med"/>
-                    </a:lnB>
-                    <a:noFill/>
-                  </a:tcPr>
-                </a:tc>
-                <a:tc>
-                  <a:txBody>
-                    <a:bodyPr/>
-                    <a:lstStyle/>
-                    <a:p>
-                      <a:pPr>
-                        <a:buNone/>
-                      </a:pPr>
-                      <a:r>
-                        <a:rPr lang="en-US"/>
-                        <a:t>80</a:t>
-                      </a:r>
-                    </a:p>
-                  </a:txBody>
-                  <a:tcPr anchor="ctr">
-                    <a:lnL w="12700" cap="flat" cmpd="sng" algn="ctr">
-                      <a:solidFill>
-                        <a:schemeClr val="tx1"/>
-                      </a:solidFill>
-                      <a:prstDash val="solid"/>
-                      <a:round/>
-                      <a:headEnd type="none" w="med" len="med"/>
-                      <a:tailEnd type="none" w="med" len="med"/>
-                    </a:lnL>
-                    <a:lnR w="12700" cap="flat" cmpd="sng" algn="ctr">
-                      <a:solidFill>
-                        <a:schemeClr val="tx1"/>
-                      </a:solidFill>
-                      <a:prstDash val="solid"/>
-                      <a:round/>
-                      <a:headEnd type="none" w="med" len="med"/>
-                      <a:tailEnd type="none" w="med" len="med"/>
-                    </a:lnR>
-                    <a:lnT w="12700" cap="flat" cmpd="sng" algn="ctr">
-                      <a:solidFill>
-                        <a:schemeClr val="tx1"/>
-                      </a:solidFill>
-                      <a:prstDash val="solid"/>
-                      <a:round/>
-                      <a:headEnd type="none" w="med" len="med"/>
-                      <a:tailEnd type="none" w="med" len="med"/>
-                    </a:lnT>
-                    <a:lnB w="12700" cap="flat" cmpd="sng" algn="ctr">
-                      <a:solidFill>
-                        <a:schemeClr val="tx1"/>
-                      </a:solidFill>
-                      <a:prstDash val="solid"/>
-                      <a:round/>
-                      <a:headEnd type="none" w="med" len="med"/>
-                      <a:tailEnd type="none" w="med" len="med"/>
-                    </a:lnB>
-                    <a:noFill/>
-                  </a:tcPr>
-                </a:tc>
-                <a:extLst>
-                  <a:ext uri="{0D108BD9-81ED-4DB2-BD59-A6C34878D82A}">
-                    <a16:rowId xmlns:a16="http://schemas.microsoft.com/office/drawing/2014/main" val="668417174"/>
-                  </a:ext>
-                </a:extLst>
-              </a:tr>
-              <a:tr h="574938">
-                <a:tc>
-                  <a:txBody>
-                    <a:bodyPr/>
-                    <a:lstStyle/>
-                    <a:p>
-                      <a:pPr>
-                        <a:buNone/>
-                      </a:pPr>
-                      <a:r>
-                        <a:rPr lang="en-US"/>
-                        <a:t>PHP-FPM (backend)</a:t>
-                      </a:r>
                     </a:p>
                   </a:txBody>
                   <a:tcPr anchor="ctr">
@@ -8222,7 +11129,7 @@
                         <a:rPr lang="en-US">
                           <a:latin typeface="Courier New" panose="02070309020205020404" pitchFamily="49" charset="0"/>
                         </a:rPr>
-                        <a:t>php:8.2-fpm</a:t>
+                        <a:t>docker-compose up</a:t>
                       </a:r>
                       <a:endParaRPr lang="en-US"/>
                     </a:p>
@@ -8267,235 +11174,9 @@
                     <a:noFill/>
                   </a:tcPr>
                 </a:tc>
-                <a:tc>
-                  <a:txBody>
-                    <a:bodyPr/>
-                    <a:lstStyle/>
-                    <a:p>
-                      <a:pPr>
-                        <a:buNone/>
-                      </a:pPr>
-                      <a:r>
-                        <a:rPr lang="en-US"/>
-                        <a:t>9000</a:t>
-                      </a:r>
-                    </a:p>
-                  </a:txBody>
-                  <a:tcPr anchor="ctr">
-                    <a:lnL w="12700" cap="flat" cmpd="sng" algn="ctr">
-                      <a:solidFill>
-                        <a:schemeClr val="tx1"/>
-                      </a:solidFill>
-                      <a:prstDash val="solid"/>
-                      <a:round/>
-                      <a:headEnd type="none" w="med" len="med"/>
-                      <a:tailEnd type="none" w="med" len="med"/>
-                    </a:lnL>
-                    <a:lnR w="12700" cap="flat" cmpd="sng" algn="ctr">
-                      <a:solidFill>
-                        <a:schemeClr val="tx1"/>
-                      </a:solidFill>
-                      <a:prstDash val="solid"/>
-                      <a:round/>
-                      <a:headEnd type="none" w="med" len="med"/>
-                      <a:tailEnd type="none" w="med" len="med"/>
-                    </a:lnR>
-                    <a:lnT w="12700" cap="flat" cmpd="sng" algn="ctr">
-                      <a:solidFill>
-                        <a:schemeClr val="tx1"/>
-                      </a:solidFill>
-                      <a:prstDash val="solid"/>
-                      <a:round/>
-                      <a:headEnd type="none" w="med" len="med"/>
-                      <a:tailEnd type="none" w="med" len="med"/>
-                    </a:lnT>
-                    <a:lnB w="12700" cap="flat" cmpd="sng" algn="ctr">
-                      <a:solidFill>
-                        <a:schemeClr val="tx1"/>
-                      </a:solidFill>
-                      <a:prstDash val="solid"/>
-                      <a:round/>
-                      <a:headEnd type="none" w="med" len="med"/>
-                      <a:tailEnd type="none" w="med" len="med"/>
-                    </a:lnB>
-                    <a:noFill/>
-                  </a:tcPr>
-                </a:tc>
                 <a:extLst>
                   <a:ext uri="{0D108BD9-81ED-4DB2-BD59-A6C34878D82A}">
-                    <a16:rowId xmlns:a16="http://schemas.microsoft.com/office/drawing/2014/main" val="314574851"/>
-                  </a:ext>
-                </a:extLst>
-              </a:tr>
-              <a:tr h="574938">
-                <a:tc>
-                  <a:txBody>
-                    <a:bodyPr/>
-                    <a:lstStyle/>
-                    <a:p>
-                      <a:pPr>
-                        <a:buNone/>
-                      </a:pPr>
-                      <a:r>
-                        <a:rPr lang="en-US"/>
-                        <a:t>MySQL (database)</a:t>
-                      </a:r>
-                    </a:p>
-                  </a:txBody>
-                  <a:tcPr anchor="ctr">
-                    <a:lnL w="12700" cap="flat" cmpd="sng" algn="ctr">
-                      <a:solidFill>
-                        <a:schemeClr val="tx1"/>
-                      </a:solidFill>
-                      <a:prstDash val="solid"/>
-                      <a:round/>
-                      <a:headEnd type="none" w="med" len="med"/>
-                      <a:tailEnd type="none" w="med" len="med"/>
-                    </a:lnL>
-                    <a:lnR w="12700" cap="flat" cmpd="sng" algn="ctr">
-                      <a:solidFill>
-                        <a:schemeClr val="tx1"/>
-                      </a:solidFill>
-                      <a:prstDash val="solid"/>
-                      <a:round/>
-                      <a:headEnd type="none" w="med" len="med"/>
-                      <a:tailEnd type="none" w="med" len="med"/>
-                    </a:lnR>
-                    <a:lnT w="12700" cap="flat" cmpd="sng" algn="ctr">
-                      <a:solidFill>
-                        <a:schemeClr val="tx1"/>
-                      </a:solidFill>
-                      <a:prstDash val="solid"/>
-                      <a:round/>
-                      <a:headEnd type="none" w="med" len="med"/>
-                      <a:tailEnd type="none" w="med" len="med"/>
-                    </a:lnT>
-                    <a:lnB w="12700" cap="flat" cmpd="sng" algn="ctr">
-                      <a:solidFill>
-                        <a:schemeClr val="tx1"/>
-                      </a:solidFill>
-                      <a:prstDash val="solid"/>
-                      <a:round/>
-                      <a:headEnd type="none" w="med" len="med"/>
-                      <a:tailEnd type="none" w="med" len="med"/>
-                    </a:lnB>
-                    <a:noFill/>
-                  </a:tcPr>
-                </a:tc>
-                <a:tc>
-                  <a:txBody>
-                    <a:bodyPr/>
-                    <a:lstStyle/>
-                    <a:p>
-                      <a:pPr>
-                        <a:buNone/>
-                      </a:pPr>
-                      <a:r>
-                        <a:rPr lang="en-US">
-                          <a:latin typeface="Courier New" panose="02070309020205020404" pitchFamily="49" charset="0"/>
-                        </a:rPr>
-                        <a:t>mysql:8.0</a:t>
-                      </a:r>
-                      <a:endParaRPr lang="en-US"/>
-                    </a:p>
-                  </a:txBody>
-                  <a:tcPr anchor="ctr">
-                    <a:lnL w="12700" cap="flat" cmpd="sng" algn="ctr">
-                      <a:solidFill>
-                        <a:schemeClr val="tx1"/>
-                      </a:solidFill>
-                      <a:prstDash val="solid"/>
-                      <a:round/>
-                      <a:headEnd type="none" w="med" len="med"/>
-                      <a:tailEnd type="none" w="med" len="med"/>
-                    </a:lnL>
-                    <a:lnR w="12700" cap="flat" cmpd="sng" algn="ctr">
-                      <a:solidFill>
-                        <a:schemeClr val="tx1"/>
-                      </a:solidFill>
-                      <a:prstDash val="solid"/>
-                      <a:round/>
-                      <a:headEnd type="none" w="med" len="med"/>
-                      <a:tailEnd type="none" w="med" len="med"/>
-                    </a:lnR>
-                    <a:lnT w="12700" cap="flat" cmpd="sng" algn="ctr">
-                      <a:solidFill>
-                        <a:schemeClr val="tx1"/>
-                      </a:solidFill>
-                      <a:prstDash val="solid"/>
-                      <a:round/>
-                      <a:headEnd type="none" w="med" len="med"/>
-                      <a:tailEnd type="none" w="med" len="med"/>
-                    </a:lnT>
-                    <a:lnB w="12700" cap="flat" cmpd="sng" algn="ctr">
-                      <a:solidFill>
-                        <a:schemeClr val="tx1"/>
-                      </a:solidFill>
-                      <a:prstDash val="solid"/>
-                      <a:round/>
-                      <a:headEnd type="none" w="med" len="med"/>
-                      <a:tailEnd type="none" w="med" len="med"/>
-                    </a:lnB>
-                    <a:noFill/>
-                  </a:tcPr>
-                </a:tc>
-                <a:tc>
-                  <a:txBody>
-                    <a:bodyPr/>
-                    <a:lstStyle/>
-                    <a:p>
-                      <a:pPr>
-                        <a:buNone/>
-                      </a:pPr>
-                      <a:r>
-                        <a:rPr lang="en-US"/>
-                        <a:t>3306</a:t>
-                      </a:r>
-                    </a:p>
-                  </a:txBody>
-                  <a:tcPr anchor="ctr">
-                    <a:lnL w="12700" cap="flat" cmpd="sng" algn="ctr">
-                      <a:solidFill>
-                        <a:schemeClr val="tx1"/>
-                      </a:solidFill>
-                      <a:prstDash val="solid"/>
-                      <a:round/>
-                      <a:headEnd type="none" w="med" len="med"/>
-                      <a:tailEnd type="none" w="med" len="med"/>
-                    </a:lnL>
-                    <a:lnR w="12700" cap="flat" cmpd="sng" algn="ctr">
-                      <a:solidFill>
-                        <a:schemeClr val="tx1"/>
-                      </a:solidFill>
-                      <a:prstDash val="solid"/>
-                      <a:round/>
-                      <a:headEnd type="none" w="med" len="med"/>
-                      <a:tailEnd type="none" w="med" len="med"/>
-                    </a:lnR>
-                    <a:lnT w="12700" cap="flat" cmpd="sng" algn="ctr">
-                      <a:solidFill>
-                        <a:schemeClr val="tx1"/>
-                      </a:solidFill>
-                      <a:prstDash val="solid"/>
-                      <a:round/>
-                      <a:headEnd type="none" w="med" len="med"/>
-                      <a:tailEnd type="none" w="med" len="med"/>
-                    </a:lnT>
-                    <a:lnB w="12700" cap="flat" cmpd="sng" algn="ctr">
-                      <a:solidFill>
-                        <a:schemeClr val="tx1"/>
-                      </a:solidFill>
-                      <a:prstDash val="solid"/>
-                      <a:round/>
-                      <a:headEnd type="none" w="med" len="med"/>
-                      <a:tailEnd type="none" w="med" len="med"/>
-                    </a:lnB>
-                    <a:noFill/>
-                  </a:tcPr>
-                </a:tc>
-                <a:extLst>
-                  <a:ext uri="{0D108BD9-81ED-4DB2-BD59-A6C34878D82A}">
-                    <a16:rowId xmlns:a16="http://schemas.microsoft.com/office/drawing/2014/main" val="3042282449"/>
+                    <a16:rowId xmlns:a16="http://schemas.microsoft.com/office/drawing/2014/main" val="3412465337"/>
                   </a:ext>
                 </a:extLst>
               </a:tr>
@@ -8506,7 +11187,7 @@
     </p:spTree>
     <p:extLst>
       <p:ext uri="{BB962C8B-B14F-4D97-AF65-F5344CB8AC3E}">
-        <p14:creationId xmlns:p14="http://schemas.microsoft.com/office/powerpoint/2010/main" val="3172718396"/>
+        <p14:creationId xmlns:p14="http://schemas.microsoft.com/office/powerpoint/2010/main" val="3651233914"/>
       </p:ext>
     </p:extLst>
   </p:cSld>
@@ -8516,7 +11197,7 @@
 </p:sld>
 </file>
 
-<file path=ppt/slides/slide5.xml><?xml version="1.0" encoding="utf-8"?>
+<file path=ppt/slides/slide6.xml><?xml version="1.0" encoding="utf-8"?>
 <p:sld xmlns:a="http://schemas.openxmlformats.org/drawingml/2006/main" xmlns:r="http://schemas.openxmlformats.org/officeDocument/2006/relationships" xmlns:p="http://schemas.openxmlformats.org/presentationml/2006/main">
   <p:cSld>
     <p:spTree>
@@ -8849,7 +11530,7 @@
 </p:sld>
 </file>
 
-<file path=ppt/slides/slide6.xml><?xml version="1.0" encoding="utf-8"?>
+<file path=ppt/slides/slide7.xml><?xml version="1.0" encoding="utf-8"?>
 <p:sld xmlns:a="http://schemas.openxmlformats.org/drawingml/2006/main" xmlns:r="http://schemas.openxmlformats.org/officeDocument/2006/relationships" xmlns:p="http://schemas.openxmlformats.org/presentationml/2006/main">
   <p:cSld>
     <p:spTree>
@@ -10241,7 +12922,7 @@
 </p:sld>
 </file>
 
-<file path=ppt/slides/slide7.xml><?xml version="1.0" encoding="utf-8"?>
+<file path=ppt/slides/slide8.xml><?xml version="1.0" encoding="utf-8"?>
 <p:sld xmlns:a="http://schemas.openxmlformats.org/drawingml/2006/main" xmlns:r="http://schemas.openxmlformats.org/officeDocument/2006/relationships" xmlns:p="http://schemas.openxmlformats.org/presentationml/2006/main">
   <p:cSld>
     <p:spTree>
@@ -10407,7 +13088,7 @@
 </p:sld>
 </file>
 
-<file path=ppt/slides/slide8.xml><?xml version="1.0" encoding="utf-8"?>
+<file path=ppt/slides/slide9.xml><?xml version="1.0" encoding="utf-8"?>
 <p:sld xmlns:a="http://schemas.openxmlformats.org/drawingml/2006/main" xmlns:r="http://schemas.openxmlformats.org/officeDocument/2006/relationships" xmlns:p="http://schemas.openxmlformats.org/presentationml/2006/main">
   <p:cSld>
     <p:spTree>
@@ -10572,302 +13253,6 @@
     <p:extLst>
       <p:ext uri="{BB962C8B-B14F-4D97-AF65-F5344CB8AC3E}">
         <p14:creationId xmlns:p14="http://schemas.microsoft.com/office/powerpoint/2010/main" val="49633655"/>
-      </p:ext>
-    </p:extLst>
-  </p:cSld>
-  <p:clrMapOvr>
-    <a:masterClrMapping/>
-  </p:clrMapOvr>
-</p:sld>
-</file>
-
-<file path=ppt/slides/slide9.xml><?xml version="1.0" encoding="utf-8"?>
-<p:sld xmlns:a="http://schemas.openxmlformats.org/drawingml/2006/main" xmlns:r="http://schemas.openxmlformats.org/officeDocument/2006/relationships" xmlns:p="http://schemas.openxmlformats.org/presentationml/2006/main">
-  <p:cSld>
-    <p:spTree>
-      <p:nvGrpSpPr>
-        <p:cNvPr id="1" name="">
-          <a:extLst>
-            <a:ext uri="{FF2B5EF4-FFF2-40B4-BE49-F238E27FC236}">
-              <a16:creationId xmlns:a16="http://schemas.microsoft.com/office/drawing/2014/main" id="{C1012123-4E20-CB38-ECB7-BD84BA9175BC}"/>
-            </a:ext>
-          </a:extLst>
-        </p:cNvPr>
-        <p:cNvGrpSpPr/>
-        <p:nvPr/>
-      </p:nvGrpSpPr>
-      <p:grpSpPr>
-        <a:xfrm>
-          <a:off x="0" y="0"/>
-          <a:ext cx="0" cy="0"/>
-          <a:chOff x="0" y="0"/>
-          <a:chExt cx="0" cy="0"/>
-        </a:xfrm>
-      </p:grpSpPr>
-      <p:sp>
-        <p:nvSpPr>
-          <p:cNvPr id="7" name="TextBox 6">
-            <a:extLst>
-              <a:ext uri="{FF2B5EF4-FFF2-40B4-BE49-F238E27FC236}">
-                <a16:creationId xmlns:a16="http://schemas.microsoft.com/office/drawing/2014/main" id="{BC41766A-D332-AD87-BF36-B8FA57FDB2D0}"/>
-              </a:ext>
-            </a:extLst>
-          </p:cNvPr>
-          <p:cNvSpPr txBox="1"/>
-          <p:nvPr/>
-        </p:nvSpPr>
-        <p:spPr>
-          <a:xfrm>
-            <a:off x="0" y="244826"/>
-            <a:ext cx="12192000" cy="4508927"/>
-          </a:xfrm>
-          <a:prstGeom prst="rect">
-            <a:avLst/>
-          </a:prstGeom>
-          <a:noFill/>
-        </p:spPr>
-        <p:txBody>
-          <a:bodyPr wrap="square">
-            <a:spAutoFit/>
-          </a:bodyPr>
-          <a:lstStyle/>
-          <a:p>
-            <a:r>
-              <a:rPr lang="en-US" sz="1400" b="1"/>
-              <a:t>Real Təsəvvür üçün Misal: </a:t>
-            </a:r>
-            <a:r>
-              <a:rPr lang="en-US" sz="1400"/>
-              <a:t>Tutaq ki, səndə bir Ubuntu server var.</a:t>
-            </a:r>
-          </a:p>
-          <a:p>
-            <a:br>
-              <a:rPr lang="en-US" sz="1400"/>
-            </a:br>
-            <a:r>
-              <a:rPr lang="en-US" sz="1400"/>
-              <a:t>Sən </a:t>
-            </a:r>
-            <a:r>
-              <a:rPr lang="en-US" sz="1400" b="1" i="1"/>
-              <a:t>docker run -it ubuntu bash </a:t>
-            </a:r>
-            <a:r>
-              <a:rPr lang="en-US" sz="1400"/>
-              <a:t>əmri ilə yeni container açırsan. </a:t>
-            </a:r>
-            <a:endParaRPr lang="az-Latn-AZ" sz="1400"/>
-          </a:p>
-          <a:p>
-            <a:endParaRPr lang="az-Latn-AZ" sz="1400" b="1"/>
-          </a:p>
-          <a:p>
-            <a:r>
-              <a:rPr lang="en-US" sz="1400" b="1"/>
-              <a:t>Container </a:t>
-            </a:r>
-            <a:r>
-              <a:rPr lang="az-Latn-AZ" sz="1400" b="1"/>
-              <a:t>içinə daxil olanda görürsən ki</a:t>
-            </a:r>
-            <a:r>
-              <a:rPr lang="az-Latn-AZ" sz="1400"/>
-              <a:t>: </a:t>
-            </a:r>
-            <a:r>
-              <a:rPr lang="en-US" sz="1400"/>
-              <a:t>sanki sistemdə yalnız 5 proses var. Amma əslində host-da 100 proses işləyir — sadəcə namespace sənə qalanlarını göstərmir.</a:t>
-            </a:r>
-            <a:endParaRPr lang="az-Latn-AZ" sz="1400"/>
-          </a:p>
-          <a:p>
-            <a:endParaRPr lang="az-Latn-AZ" sz="1400"/>
-          </a:p>
-          <a:p>
-            <a:endParaRPr lang="az-Latn-AZ" sz="1400"/>
-          </a:p>
-          <a:p>
-            <a:endParaRPr lang="az-Latn-AZ" sz="1400"/>
-          </a:p>
-          <a:p>
-            <a:endParaRPr lang="az-Latn-AZ" sz="1400"/>
-          </a:p>
-          <a:p>
-            <a:endParaRPr lang="az-Latn-AZ" sz="1400"/>
-          </a:p>
-          <a:p>
-            <a:r>
-              <a:rPr lang="en-US" sz="1400" b="1"/>
-              <a:t>Sonra sən</a:t>
-            </a:r>
-            <a:r>
-              <a:rPr lang="en-US" sz="1400"/>
-              <a:t>:</a:t>
-            </a:r>
-            <a:r>
-              <a:rPr lang="az-Latn-AZ" sz="1400"/>
-              <a:t> aşağıdakı kimi yazaraq </a:t>
-            </a:r>
-            <a:r>
-              <a:rPr lang="en-US" sz="1400"/>
-              <a:t>fərqli bir “</a:t>
-            </a:r>
-            <a:r>
-              <a:rPr lang="en-US" sz="1400" b="1"/>
-              <a:t>hostname</a:t>
-            </a:r>
-            <a:r>
-              <a:rPr lang="en-US" sz="1400"/>
-              <a:t>” görürsən (məsələn, </a:t>
-            </a:r>
-            <a:r>
-              <a:rPr lang="en-US" sz="1400" b="1"/>
-              <a:t>123abc</a:t>
-            </a:r>
-            <a:r>
-              <a:rPr lang="en-US" sz="1400"/>
-              <a:t>).</a:t>
-            </a:r>
-            <a:endParaRPr lang="az-Latn-AZ" sz="1400"/>
-          </a:p>
-          <a:p>
-            <a:endParaRPr lang="az-Latn-AZ" sz="1400"/>
-          </a:p>
-          <a:p>
-            <a:endParaRPr lang="az-Latn-AZ" sz="1400"/>
-          </a:p>
-          <a:p>
-            <a:endParaRPr lang="az-Latn-AZ" sz="1400"/>
-          </a:p>
-          <a:p>
-            <a:endParaRPr lang="az-Latn-AZ" sz="1400"/>
-          </a:p>
-          <a:p>
-            <a:pPr marL="285750" indent="-285750">
-              <a:lnSpc>
-                <a:spcPct val="150000"/>
-              </a:lnSpc>
-              <a:buFont typeface="Wingdings" panose="05000000000000000000" pitchFamily="2" charset="2"/>
-              <a:buChar char="§"/>
-            </a:pPr>
-            <a:r>
-              <a:rPr lang="en-US" sz="1400"/>
-              <a:t>Amma real host-un adı </a:t>
-            </a:r>
-            <a:r>
-              <a:rPr lang="en-US" sz="1400" b="1"/>
-              <a:t>server1</a:t>
-            </a:r>
-            <a:r>
-              <a:rPr lang="en-US" sz="1400"/>
-              <a:t> idi.</a:t>
-            </a:r>
-            <a:endParaRPr lang="az-Latn-AZ" sz="1400"/>
-          </a:p>
-          <a:p>
-            <a:pPr marL="285750" indent="-285750">
-              <a:lnSpc>
-                <a:spcPct val="150000"/>
-              </a:lnSpc>
-              <a:buFont typeface="Wingdings" panose="05000000000000000000" pitchFamily="2" charset="2"/>
-              <a:buChar char="§"/>
-            </a:pPr>
-            <a:r>
-              <a:rPr lang="en-US" sz="1400"/>
-              <a:t>Çünki UTS namespace sənə öz adını göstərir.</a:t>
-            </a:r>
-          </a:p>
-          <a:p>
-            <a:pPr marL="285750" indent="-285750">
-              <a:lnSpc>
-                <a:spcPct val="150000"/>
-              </a:lnSpc>
-              <a:buFont typeface="Wingdings" panose="05000000000000000000" pitchFamily="2" charset="2"/>
-              <a:buChar char="§"/>
-            </a:pPr>
-            <a:r>
-              <a:rPr lang="en-US" sz="1400"/>
-              <a:t>Və əgər bu container çox RAM istifadə etsə, </a:t>
-            </a:r>
-            <a:r>
-              <a:rPr lang="en-US" sz="1400" b="1"/>
-              <a:t>cgroup</a:t>
-            </a:r>
-            <a:r>
-              <a:rPr lang="en-US" sz="1400"/>
-              <a:t> onu dayandıracaq.</a:t>
-            </a:r>
-          </a:p>
-          <a:p>
-            <a:endParaRPr lang="en-US" sz="1400"/>
-          </a:p>
-        </p:txBody>
-      </p:sp>
-      <p:pic>
-        <p:nvPicPr>
-          <p:cNvPr id="3" name="Picture 2">
-            <a:extLst>
-              <a:ext uri="{FF2B5EF4-FFF2-40B4-BE49-F238E27FC236}">
-                <a16:creationId xmlns:a16="http://schemas.microsoft.com/office/drawing/2014/main" id="{D01912BD-47B1-6786-1C27-89F863FA66CA}"/>
-              </a:ext>
-            </a:extLst>
-          </p:cNvPr>
-          <p:cNvPicPr>
-            <a:picLocks noChangeAspect="1"/>
-          </p:cNvPicPr>
-          <p:nvPr/>
-        </p:nvPicPr>
-        <p:blipFill>
-          <a:blip r:embed="rId2"/>
-          <a:stretch>
-            <a:fillRect/>
-          </a:stretch>
-        </p:blipFill>
-        <p:spPr>
-          <a:xfrm>
-            <a:off x="0" y="1506741"/>
-            <a:ext cx="2172003" cy="409632"/>
-          </a:xfrm>
-          <a:prstGeom prst="rect">
-            <a:avLst/>
-          </a:prstGeom>
-        </p:spPr>
-      </p:pic>
-      <p:pic>
-        <p:nvPicPr>
-          <p:cNvPr id="5" name="Picture 4">
-            <a:extLst>
-              <a:ext uri="{FF2B5EF4-FFF2-40B4-BE49-F238E27FC236}">
-                <a16:creationId xmlns:a16="http://schemas.microsoft.com/office/drawing/2014/main" id="{A0949080-E0B6-31B5-FC2E-1047139246EA}"/>
-              </a:ext>
-            </a:extLst>
-          </p:cNvPr>
-          <p:cNvPicPr>
-            <a:picLocks noChangeAspect="1"/>
-          </p:cNvPicPr>
-          <p:nvPr/>
-        </p:nvPicPr>
-        <p:blipFill>
-          <a:blip r:embed="rId3"/>
-          <a:stretch>
-            <a:fillRect/>
-          </a:stretch>
-        </p:blipFill>
-        <p:spPr>
-          <a:xfrm>
-            <a:off x="0" y="2810948"/>
-            <a:ext cx="1028844" cy="504895"/>
-          </a:xfrm>
-          <a:prstGeom prst="rect">
-            <a:avLst/>
-          </a:prstGeom>
-        </p:spPr>
-      </p:pic>
-    </p:spTree>
-    <p:extLst>
-      <p:ext uri="{BB962C8B-B14F-4D97-AF65-F5344CB8AC3E}">
-        <p14:creationId xmlns:p14="http://schemas.microsoft.com/office/powerpoint/2010/main" val="870016464"/>
       </p:ext>
     </p:extLst>
   </p:cSld>
